--- a/papers/On-orderings-in-security-models.pptx
+++ b/papers/On-orderings-in-security-models.pptx
@@ -32606,457 +32606,702 @@
           <a:bodyPr/>
           <a:lstStyle/>
           <a:p>
-            <a:endParaRPr lang="en-US"/>
+            <a:r>
+              <a:rPr lang="en-US" dirty="0"/>
+              <a:t>Composition Operators on Sets of Posets</a:t>
+            </a:r>
           </a:p>
         </p:txBody>
       </p:sp>
-      <mc:AlternateContent xmlns:mc="http://schemas.openxmlformats.org/markup-compatibility/2006" xmlns:a14="http://schemas.microsoft.com/office/drawing/2010/main">
-        <mc:Choice Requires="a14">
-          <p:sp>
-            <p:nvSpPr>
-              <p:cNvPr id="5" name="TextBox 4">
-                <a:extLst>
-                  <a:ext uri="{FF2B5EF4-FFF2-40B4-BE49-F238E27FC236}">
-                    <a16:creationId xmlns:a16="http://schemas.microsoft.com/office/drawing/2014/main" id="{33A94A2F-1419-A3DA-6942-A780F396D140}"/>
-                  </a:ext>
-                </a:extLst>
-              </p:cNvPr>
-              <p:cNvSpPr txBox="1"/>
-              <p:nvPr/>
-            </p:nvSpPr>
-            <p:spPr>
-              <a:xfrm>
-                <a:off x="3000737" y="1847442"/>
-                <a:ext cx="2373727" cy="461665"/>
-              </a:xfrm>
-              <a:prstGeom prst="rect">
-                <a:avLst/>
-              </a:prstGeom>
-              <a:ln>
-                <a:noFill/>
-              </a:ln>
-            </p:spPr>
-            <p:txBody>
-              <a:bodyPr vert="horz" wrap="none" lIns="91440" tIns="45720" rIns="91440" bIns="45720" rtlCol="0">
-                <a:spAutoFit/>
-              </a:bodyPr>
-              <a:lstStyle/>
-              <a:p>
-                <a:pPr algn="l"/>
-                <a14:m>
-                  <m:oMathPara xmlns:m="http://schemas.openxmlformats.org/officeDocument/2006/math">
-                    <m:oMathParaPr>
-                      <m:jc m:val="centerGroup"/>
-                    </m:oMathParaPr>
+      <p:grpSp>
+        <p:nvGrpSpPr>
+          <p:cNvPr id="12" name="Group 11">
+            <a:extLst>
+              <a:ext uri="{FF2B5EF4-FFF2-40B4-BE49-F238E27FC236}">
+                <a16:creationId xmlns:a16="http://schemas.microsoft.com/office/drawing/2014/main" id="{CA79CD8C-04C2-A62F-4B53-D6EFB0C5AA16}"/>
+              </a:ext>
+            </a:extLst>
+          </p:cNvPr>
+          <p:cNvGrpSpPr/>
+          <p:nvPr/>
+        </p:nvGrpSpPr>
+        <p:grpSpPr>
+          <a:xfrm>
+            <a:off x="3694247" y="1583902"/>
+            <a:ext cx="4803506" cy="461665"/>
+            <a:chOff x="3000737" y="1847442"/>
+            <a:chExt cx="4803506" cy="461665"/>
+          </a:xfrm>
+        </p:grpSpPr>
+        <mc:AlternateContent xmlns:mc="http://schemas.openxmlformats.org/markup-compatibility/2006">
+          <mc:Choice xmlns:a14="http://schemas.microsoft.com/office/drawing/2010/main" Requires="a14">
+            <p:sp>
+              <p:nvSpPr>
+                <p:cNvPr id="5" name="TextBox 4">
+                  <a:extLst>
+                    <a:ext uri="{FF2B5EF4-FFF2-40B4-BE49-F238E27FC236}">
+                      <a16:creationId xmlns:a16="http://schemas.microsoft.com/office/drawing/2014/main" id="{33A94A2F-1419-A3DA-6942-A780F396D140}"/>
+                    </a:ext>
+                  </a:extLst>
+                </p:cNvPr>
+                <p:cNvSpPr txBox="1"/>
+                <p:nvPr/>
+              </p:nvSpPr>
+              <p:spPr>
+                <a:xfrm>
+                  <a:off x="3000737" y="1847442"/>
+                  <a:ext cx="2373727" cy="461665"/>
+                </a:xfrm>
+                <a:prstGeom prst="rect">
+                  <a:avLst/>
+                </a:prstGeom>
+                <a:ln>
+                  <a:noFill/>
+                </a:ln>
+              </p:spPr>
+              <p:txBody>
+                <a:bodyPr vert="horz" wrap="none" lIns="91440" tIns="45720" rIns="91440" bIns="45720" rtlCol="0">
+                  <a:spAutoFit/>
+                </a:bodyPr>
+                <a:lstStyle/>
+                <a:p>
+                  <a:pPr algn="l"/>
+                  <a14:m>
+                    <m:oMathPara xmlns:m="http://schemas.openxmlformats.org/officeDocument/2006/math">
+                      <m:oMathParaPr>
+                        <m:jc m:val="centerGroup"/>
+                      </m:oMathParaPr>
+                      <m:oMath xmlns:m="http://schemas.openxmlformats.org/officeDocument/2006/math">
+                        <m:r>
+                          <a:rPr lang="en-US" sz="2400" b="0" i="1" smtClean="0">
+                            <a:latin typeface="Cambria Math" panose="02040503050406030204" pitchFamily="18" charset="0"/>
+                          </a:rPr>
+                          <m:t>𝒮</m:t>
+                        </m:r>
+                        <m:r>
+                          <a:rPr lang="en-US" sz="2400" b="0" i="0" smtClean="0">
+                            <a:latin typeface="Cambria Math" panose="02040503050406030204" pitchFamily="18" charset="0"/>
+                          </a:rPr>
+                          <m:t>={ </m:t>
+                        </m:r>
+                        <m:sSub>
+                          <m:sSubPr>
+                            <m:ctrlPr>
+                              <a:rPr lang="en-US" sz="2400" b="0" i="1" smtClean="0">
+                                <a:latin typeface="Cambria Math" panose="02040503050406030204" pitchFamily="18" charset="0"/>
+                              </a:rPr>
+                            </m:ctrlPr>
+                          </m:sSubPr>
+                          <m:e>
+                            <m:r>
+                              <m:rPr>
+                                <m:sty m:val="p"/>
+                              </m:rPr>
+                              <a:rPr lang="en-US" sz="2400" b="0" i="0" smtClean="0">
+                                <a:latin typeface="Cambria Math" panose="02040503050406030204" pitchFamily="18" charset="0"/>
+                              </a:rPr>
+                              <m:t>G</m:t>
+                            </m:r>
+                          </m:e>
+                          <m:sub>
+                            <m:r>
+                              <a:rPr lang="en-US" sz="2400" b="0" i="0" smtClean="0">
+                                <a:latin typeface="Cambria Math" panose="02040503050406030204" pitchFamily="18" charset="0"/>
+                              </a:rPr>
+                              <m:t>1</m:t>
+                            </m:r>
+                          </m:sub>
+                        </m:sSub>
+                        <m:r>
+                          <a:rPr lang="en-US" sz="2400" b="0" i="0" smtClean="0">
+                            <a:latin typeface="Cambria Math" panose="02040503050406030204" pitchFamily="18" charset="0"/>
+                          </a:rPr>
+                          <m:t>, </m:t>
+                        </m:r>
+                        <m:sSub>
+                          <m:sSubPr>
+                            <m:ctrlPr>
+                              <a:rPr lang="en-US" sz="2400" b="0" i="1" smtClean="0">
+                                <a:latin typeface="Cambria Math" panose="02040503050406030204" pitchFamily="18" charset="0"/>
+                              </a:rPr>
+                            </m:ctrlPr>
+                          </m:sSubPr>
+                          <m:e>
+                            <m:r>
+                              <m:rPr>
+                                <m:sty m:val="p"/>
+                              </m:rPr>
+                              <a:rPr lang="en-US" sz="2400" b="0" i="0" smtClean="0">
+                                <a:latin typeface="Cambria Math" panose="02040503050406030204" pitchFamily="18" charset="0"/>
+                              </a:rPr>
+                              <m:t>G</m:t>
+                            </m:r>
+                          </m:e>
+                          <m:sub>
+                            <m:r>
+                              <a:rPr lang="en-US" sz="2400" b="0" i="0" smtClean="0">
+                                <a:latin typeface="Cambria Math" panose="02040503050406030204" pitchFamily="18" charset="0"/>
+                              </a:rPr>
+                              <m:t>2</m:t>
+                            </m:r>
+                          </m:sub>
+                        </m:sSub>
+                        <m:r>
+                          <a:rPr lang="en-US" sz="2400" b="0" i="0" smtClean="0">
+                            <a:latin typeface="Cambria Math" panose="02040503050406030204" pitchFamily="18" charset="0"/>
+                          </a:rPr>
+                          <m:t>,</m:t>
+                        </m:r>
+                        <m:sSub>
+                          <m:sSubPr>
+                            <m:ctrlPr>
+                              <a:rPr lang="en-US" sz="2400" b="0" i="1" smtClean="0">
+                                <a:latin typeface="Cambria Math" panose="02040503050406030204" pitchFamily="18" charset="0"/>
+                              </a:rPr>
+                            </m:ctrlPr>
+                          </m:sSubPr>
+                          <m:e>
+                            <m:r>
+                              <m:rPr>
+                                <m:sty m:val="p"/>
+                              </m:rPr>
+                              <a:rPr lang="en-US" sz="2400" b="0" i="0" smtClean="0">
+                                <a:latin typeface="Cambria Math" panose="02040503050406030204" pitchFamily="18" charset="0"/>
+                              </a:rPr>
+                              <m:t>G</m:t>
+                            </m:r>
+                          </m:e>
+                          <m:sub>
+                            <m:r>
+                              <a:rPr lang="en-US" sz="2400" b="0" i="0" smtClean="0">
+                                <a:latin typeface="Cambria Math" panose="02040503050406030204" pitchFamily="18" charset="0"/>
+                              </a:rPr>
+                              <m:t>3</m:t>
+                            </m:r>
+                          </m:sub>
+                        </m:sSub>
+                        <m:r>
+                          <a:rPr lang="en-US" sz="2400" b="0" i="0" smtClean="0">
+                            <a:latin typeface="Cambria Math" panose="02040503050406030204" pitchFamily="18" charset="0"/>
+                          </a:rPr>
+                          <m:t>}</m:t>
+                        </m:r>
+                      </m:oMath>
+                    </m:oMathPara>
+                  </a14:m>
+                  <a:endParaRPr lang="en-US" sz="2400" dirty="0"/>
+                </a:p>
+              </p:txBody>
+            </p:sp>
+          </mc:Choice>
+          <mc:Fallback>
+            <p:sp>
+              <p:nvSpPr>
+                <p:cNvPr id="5" name="TextBox 4">
+                  <a:extLst>
+                    <a:ext uri="{FF2B5EF4-FFF2-40B4-BE49-F238E27FC236}">
+                      <a16:creationId xmlns:a16="http://schemas.microsoft.com/office/drawing/2014/main" id="{33A94A2F-1419-A3DA-6942-A780F396D140}"/>
+                    </a:ext>
+                  </a:extLst>
+                </p:cNvPr>
+                <p:cNvSpPr txBox="1">
+                  <a:spLocks noRot="1" noChangeAspect="1" noMove="1" noResize="1" noEditPoints="1" noAdjustHandles="1" noChangeArrowheads="1" noChangeShapeType="1" noTextEdit="1"/>
+                </p:cNvSpPr>
+                <p:nvPr/>
+              </p:nvSpPr>
+              <p:spPr>
+                <a:xfrm>
+                  <a:off x="3000737" y="1847442"/>
+                  <a:ext cx="2373727" cy="461665"/>
+                </a:xfrm>
+                <a:prstGeom prst="rect">
+                  <a:avLst/>
+                </a:prstGeom>
+                <a:blipFill>
+                  <a:blip r:embed="rId2"/>
+                  <a:stretch>
+                    <a:fillRect b="-18421"/>
+                  </a:stretch>
+                </a:blipFill>
+                <a:ln>
+                  <a:noFill/>
+                </a:ln>
+              </p:spPr>
+              <p:txBody>
+                <a:bodyPr/>
+                <a:lstStyle/>
+                <a:p>
+                  <a:r>
+                    <a:rPr lang="en-US">
+                      <a:noFill/>
+                    </a:rPr>
+                    <a:t> </a:t>
+                  </a:r>
+                </a:p>
+              </p:txBody>
+            </p:sp>
+          </mc:Fallback>
+        </mc:AlternateContent>
+        <mc:AlternateContent xmlns:mc="http://schemas.openxmlformats.org/markup-compatibility/2006">
+          <mc:Choice xmlns:a14="http://schemas.microsoft.com/office/drawing/2010/main" Requires="a14">
+            <p:sp>
+              <p:nvSpPr>
+                <p:cNvPr id="6" name="TextBox 5">
+                  <a:extLst>
+                    <a:ext uri="{FF2B5EF4-FFF2-40B4-BE49-F238E27FC236}">
+                      <a16:creationId xmlns:a16="http://schemas.microsoft.com/office/drawing/2014/main" id="{BA423EDB-9AC1-4E33-4531-7B618FB8D27F}"/>
+                    </a:ext>
+                  </a:extLst>
+                </p:cNvPr>
+                <p:cNvSpPr txBox="1"/>
+                <p:nvPr/>
+              </p:nvSpPr>
+              <p:spPr>
+                <a:xfrm>
+                  <a:off x="5795936" y="1847442"/>
+                  <a:ext cx="2008307" cy="461665"/>
+                </a:xfrm>
+                <a:prstGeom prst="rect">
+                  <a:avLst/>
+                </a:prstGeom>
+                <a:ln>
+                  <a:noFill/>
+                </a:ln>
+              </p:spPr>
+              <p:txBody>
+                <a:bodyPr vert="horz" wrap="none" lIns="91440" tIns="45720" rIns="91440" bIns="45720" rtlCol="0">
+                  <a:spAutoFit/>
+                </a:bodyPr>
+                <a:lstStyle/>
+                <a:p>
+                  <a:pPr algn="l"/>
+                  <a14:m>
+                    <m:oMathPara xmlns:m="http://schemas.openxmlformats.org/officeDocument/2006/math">
+                      <m:oMathParaPr>
+                        <m:jc m:val="centerGroup"/>
+                      </m:oMathParaPr>
+                      <m:oMath xmlns:m="http://schemas.openxmlformats.org/officeDocument/2006/math">
+                        <m:r>
+                          <a:rPr lang="en-US" sz="2400" b="0" i="1" smtClean="0">
+                            <a:latin typeface="Cambria Math" panose="02040503050406030204" pitchFamily="18" charset="0"/>
+                          </a:rPr>
+                          <m:t>𝒯</m:t>
+                        </m:r>
+                        <m:r>
+                          <a:rPr lang="en-US" sz="2400" b="0" i="0" smtClean="0">
+                            <a:latin typeface="Cambria Math" panose="02040503050406030204" pitchFamily="18" charset="0"/>
+                          </a:rPr>
+                          <m:t>={ </m:t>
+                        </m:r>
+                        <m:sSub>
+                          <m:sSubPr>
+                            <m:ctrlPr>
+                              <a:rPr lang="en-US" sz="2400" b="0" i="1" smtClean="0">
+                                <a:latin typeface="Cambria Math" panose="02040503050406030204" pitchFamily="18" charset="0"/>
+                              </a:rPr>
+                            </m:ctrlPr>
+                          </m:sSubPr>
+                          <m:e>
+                            <m:r>
+                              <m:rPr>
+                                <m:sty m:val="p"/>
+                              </m:rPr>
+                              <a:rPr lang="en-US" sz="2400" b="0" i="0" smtClean="0">
+                                <a:latin typeface="Cambria Math" panose="02040503050406030204" pitchFamily="18" charset="0"/>
+                              </a:rPr>
+                              <m:t>H</m:t>
+                            </m:r>
+                          </m:e>
+                          <m:sub>
+                            <m:r>
+                              <a:rPr lang="en-US" sz="2400" b="0" i="0" smtClean="0">
+                                <a:latin typeface="Cambria Math" panose="02040503050406030204" pitchFamily="18" charset="0"/>
+                              </a:rPr>
+                              <m:t>1</m:t>
+                            </m:r>
+                          </m:sub>
+                        </m:sSub>
+                        <m:r>
+                          <a:rPr lang="en-US" sz="2400" b="0" i="0" smtClean="0">
+                            <a:latin typeface="Cambria Math" panose="02040503050406030204" pitchFamily="18" charset="0"/>
+                          </a:rPr>
+                          <m:t>, </m:t>
+                        </m:r>
+                        <m:sSub>
+                          <m:sSubPr>
+                            <m:ctrlPr>
+                              <a:rPr lang="en-US" sz="2400" b="0" i="1" smtClean="0">
+                                <a:latin typeface="Cambria Math" panose="02040503050406030204" pitchFamily="18" charset="0"/>
+                              </a:rPr>
+                            </m:ctrlPr>
+                          </m:sSubPr>
+                          <m:e>
+                            <m:r>
+                              <m:rPr>
+                                <m:sty m:val="p"/>
+                              </m:rPr>
+                              <a:rPr lang="en-US" sz="2400" b="0" i="0" smtClean="0">
+                                <a:latin typeface="Cambria Math" panose="02040503050406030204" pitchFamily="18" charset="0"/>
+                              </a:rPr>
+                              <m:t>H</m:t>
+                            </m:r>
+                          </m:e>
+                          <m:sub>
+                            <m:r>
+                              <a:rPr lang="en-US" sz="2400" b="0" i="0" smtClean="0">
+                                <a:latin typeface="Cambria Math" panose="02040503050406030204" pitchFamily="18" charset="0"/>
+                              </a:rPr>
+                              <m:t>2</m:t>
+                            </m:r>
+                          </m:sub>
+                        </m:sSub>
+                        <m:r>
+                          <a:rPr lang="en-US" sz="2400" b="0" i="0" smtClean="0">
+                            <a:latin typeface="Cambria Math" panose="02040503050406030204" pitchFamily="18" charset="0"/>
+                          </a:rPr>
+                          <m:t>}</m:t>
+                        </m:r>
+                      </m:oMath>
+                    </m:oMathPara>
+                  </a14:m>
+                  <a:endParaRPr lang="en-US" sz="2400" dirty="0"/>
+                </a:p>
+              </p:txBody>
+            </p:sp>
+          </mc:Choice>
+          <mc:Fallback>
+            <p:sp>
+              <p:nvSpPr>
+                <p:cNvPr id="6" name="TextBox 5">
+                  <a:extLst>
+                    <a:ext uri="{FF2B5EF4-FFF2-40B4-BE49-F238E27FC236}">
+                      <a16:creationId xmlns:a16="http://schemas.microsoft.com/office/drawing/2014/main" id="{BA423EDB-9AC1-4E33-4531-7B618FB8D27F}"/>
+                    </a:ext>
+                  </a:extLst>
+                </p:cNvPr>
+                <p:cNvSpPr txBox="1">
+                  <a:spLocks noRot="1" noChangeAspect="1" noMove="1" noResize="1" noEditPoints="1" noAdjustHandles="1" noChangeArrowheads="1" noChangeShapeType="1" noTextEdit="1"/>
+                </p:cNvSpPr>
+                <p:nvPr/>
+              </p:nvSpPr>
+              <p:spPr>
+                <a:xfrm>
+                  <a:off x="5795936" y="1847442"/>
+                  <a:ext cx="2008307" cy="461665"/>
+                </a:xfrm>
+                <a:prstGeom prst="rect">
+                  <a:avLst/>
+                </a:prstGeom>
+                <a:blipFill>
+                  <a:blip r:embed="rId3"/>
+                  <a:stretch>
+                    <a:fillRect b="-18421"/>
+                  </a:stretch>
+                </a:blipFill>
+                <a:ln>
+                  <a:noFill/>
+                </a:ln>
+              </p:spPr>
+              <p:txBody>
+                <a:bodyPr/>
+                <a:lstStyle/>
+                <a:p>
+                  <a:r>
+                    <a:rPr lang="en-US">
+                      <a:noFill/>
+                    </a:rPr>
+                    <a:t> </a:t>
+                  </a:r>
+                </a:p>
+              </p:txBody>
+            </p:sp>
+          </mc:Fallback>
+        </mc:AlternateContent>
+      </p:grpSp>
+      <p:grpSp>
+        <p:nvGrpSpPr>
+          <p:cNvPr id="4" name="Group 3">
+            <a:extLst>
+              <a:ext uri="{FF2B5EF4-FFF2-40B4-BE49-F238E27FC236}">
+                <a16:creationId xmlns:a16="http://schemas.microsoft.com/office/drawing/2014/main" id="{E84BDF5C-23C8-BB8B-5C30-DD7D68448B59}"/>
+              </a:ext>
+            </a:extLst>
+          </p:cNvPr>
+          <p:cNvGrpSpPr/>
+          <p:nvPr/>
+        </p:nvGrpSpPr>
+        <p:grpSpPr>
+          <a:xfrm>
+            <a:off x="3368053" y="3015025"/>
+            <a:ext cx="5455894" cy="1290890"/>
+            <a:chOff x="1922806" y="3200577"/>
+            <a:chExt cx="5455894" cy="1290890"/>
+          </a:xfrm>
+        </p:grpSpPr>
+        <mc:AlternateContent xmlns:mc="http://schemas.openxmlformats.org/markup-compatibility/2006">
+          <mc:Choice xmlns:a14="http://schemas.microsoft.com/office/drawing/2010/main" Requires="a14">
+            <p:sp>
+              <p:nvSpPr>
+                <p:cNvPr id="7" name="TextBox 6">
+                  <a:extLst>
+                    <a:ext uri="{FF2B5EF4-FFF2-40B4-BE49-F238E27FC236}">
+                      <a16:creationId xmlns:a16="http://schemas.microsoft.com/office/drawing/2014/main" id="{0DE7687E-37D6-F6F2-1D69-9D812CDB7A1F}"/>
+                    </a:ext>
+                  </a:extLst>
+                </p:cNvPr>
+                <p:cNvSpPr txBox="1"/>
+                <p:nvPr/>
+              </p:nvSpPr>
+              <p:spPr>
+                <a:xfrm>
+                  <a:off x="1922806" y="3660470"/>
+                  <a:ext cx="5455894" cy="830997"/>
+                </a:xfrm>
+                <a:prstGeom prst="rect">
+                  <a:avLst/>
+                </a:prstGeom>
+                <a:ln>
+                  <a:noFill/>
+                </a:ln>
+              </p:spPr>
+              <p:txBody>
+                <a:bodyPr vert="horz" wrap="square" lIns="91440" tIns="45720" rIns="91440" bIns="45720" rtlCol="0">
+                  <a:spAutoFit/>
+                </a:bodyPr>
+                <a:lstStyle/>
+                <a:p>
+                  <a:pPr algn="l"/>
+                  <a14:m>
+                    <m:oMathPara xmlns:m="http://schemas.openxmlformats.org/officeDocument/2006/math">
+                      <m:oMathParaPr>
+                        <m:jc m:val="centerGroup"/>
+                      </m:oMathParaPr>
+                      <m:oMath xmlns:m="http://schemas.openxmlformats.org/officeDocument/2006/math">
+                        <m:r>
+                          <a:rPr lang="en-US" sz="2400" b="0" i="1" smtClean="0">
+                            <a:latin typeface="Cambria Math" panose="02040503050406030204" pitchFamily="18" charset="0"/>
+                          </a:rPr>
+                          <m:t>𝒮</m:t>
+                        </m:r>
+                        <m:r>
+                          <a:rPr lang="en-US" sz="2400" b="0" i="1" smtClean="0">
+                            <a:latin typeface="Cambria Math" panose="02040503050406030204" pitchFamily="18" charset="0"/>
+                          </a:rPr>
+                          <m:t>⋈</m:t>
+                        </m:r>
+                        <m:r>
+                          <a:rPr lang="en-US" sz="2400" b="0" i="1" smtClean="0">
+                            <a:latin typeface="Cambria Math" panose="02040503050406030204" pitchFamily="18" charset="0"/>
+                          </a:rPr>
+                          <m:t>𝒯</m:t>
+                        </m:r>
+                        <m:r>
+                          <a:rPr lang="en-US" sz="2400" b="0" i="1" smtClean="0">
+                            <a:latin typeface="Cambria Math" panose="02040503050406030204" pitchFamily="18" charset="0"/>
+                          </a:rPr>
+                          <m:t>={</m:t>
+                        </m:r>
+                        <m:sSub>
+                          <m:sSubPr>
+                            <m:ctrlPr>
+                              <a:rPr lang="en-US" sz="2400" b="0" i="1" smtClean="0">
+                                <a:latin typeface="Cambria Math" panose="02040503050406030204" pitchFamily="18" charset="0"/>
+                              </a:rPr>
+                            </m:ctrlPr>
+                          </m:sSubPr>
+                          <m:e>
+                            <m:r>
+                              <a:rPr lang="en-US" sz="2400" b="0" i="1" smtClean="0">
+                                <a:latin typeface="Cambria Math" panose="02040503050406030204" pitchFamily="18" charset="0"/>
+                              </a:rPr>
+                              <m:t>𝐺</m:t>
+                            </m:r>
+                          </m:e>
+                          <m:sub>
+                            <m:r>
+                              <a:rPr lang="en-US" sz="2400" b="0" i="1" smtClean="0">
+                                <a:latin typeface="Cambria Math" panose="02040503050406030204" pitchFamily="18" charset="0"/>
+                              </a:rPr>
+                              <m:t>1</m:t>
+                            </m:r>
+                          </m:sub>
+                        </m:sSub>
+                        <m:r>
+                          <a:rPr lang="en-US" sz="2400" b="0" i="1" smtClean="0">
+                            <a:latin typeface="Cambria Math" panose="02040503050406030204" pitchFamily="18" charset="0"/>
+                          </a:rPr>
+                          <m:t>⊎</m:t>
+                        </m:r>
+                        <m:sSub>
+                          <m:sSubPr>
+                            <m:ctrlPr>
+                              <a:rPr lang="en-US" sz="2400" b="0" i="1" smtClean="0">
+                                <a:latin typeface="Cambria Math" panose="02040503050406030204" pitchFamily="18" charset="0"/>
+                              </a:rPr>
+                            </m:ctrlPr>
+                          </m:sSubPr>
+                          <m:e>
+                            <m:r>
+                              <a:rPr lang="en-US" sz="2400" b="0" i="1" smtClean="0">
+                                <a:latin typeface="Cambria Math" panose="02040503050406030204" pitchFamily="18" charset="0"/>
+                              </a:rPr>
+                              <m:t>𝐻</m:t>
+                            </m:r>
+                          </m:e>
+                          <m:sub>
+                            <m:r>
+                              <a:rPr lang="en-US" sz="2400" b="0" i="1" smtClean="0">
+                                <a:latin typeface="Cambria Math" panose="02040503050406030204" pitchFamily="18" charset="0"/>
+                              </a:rPr>
+                              <m:t>1</m:t>
+                            </m:r>
+                          </m:sub>
+                        </m:sSub>
+                        <m:r>
+                          <a:rPr lang="en-US" sz="2400" b="0" i="1" smtClean="0">
+                            <a:latin typeface="Cambria Math" panose="02040503050406030204" pitchFamily="18" charset="0"/>
+                          </a:rPr>
+                          <m:t>, </m:t>
+                        </m:r>
+                        <m:sSub>
+                          <m:sSubPr>
+                            <m:ctrlPr>
+                              <a:rPr lang="en-US" sz="2400" b="0" i="1" smtClean="0">
+                                <a:latin typeface="Cambria Math" panose="02040503050406030204" pitchFamily="18" charset="0"/>
+                              </a:rPr>
+                            </m:ctrlPr>
+                          </m:sSubPr>
+                          <m:e>
+                            <m:r>
+                              <a:rPr lang="en-US" sz="2400" b="0" i="1" smtClean="0">
+                                <a:latin typeface="Cambria Math" panose="02040503050406030204" pitchFamily="18" charset="0"/>
+                              </a:rPr>
+                              <m:t>𝐺</m:t>
+                            </m:r>
+                          </m:e>
+                          <m:sub>
+                            <m:r>
+                              <a:rPr lang="en-US" sz="2400" b="0" i="1" smtClean="0">
+                                <a:latin typeface="Cambria Math" panose="02040503050406030204" pitchFamily="18" charset="0"/>
+                              </a:rPr>
+                              <m:t>2</m:t>
+                            </m:r>
+                          </m:sub>
+                        </m:sSub>
+                        <m:r>
+                          <a:rPr lang="en-US" sz="2400" b="0" i="1" smtClean="0">
+                            <a:latin typeface="Cambria Math" panose="02040503050406030204" pitchFamily="18" charset="0"/>
+                          </a:rPr>
+                          <m:t>⊎</m:t>
+                        </m:r>
+                        <m:sSub>
+                          <m:sSubPr>
+                            <m:ctrlPr>
+                              <a:rPr lang="en-US" sz="2400" b="0" i="1" smtClean="0">
+                                <a:latin typeface="Cambria Math" panose="02040503050406030204" pitchFamily="18" charset="0"/>
+                              </a:rPr>
+                            </m:ctrlPr>
+                          </m:sSubPr>
+                          <m:e>
+                            <m:r>
+                              <a:rPr lang="en-US" sz="2400" b="0" i="1" smtClean="0">
+                                <a:latin typeface="Cambria Math" panose="02040503050406030204" pitchFamily="18" charset="0"/>
+                              </a:rPr>
+                              <m:t>𝐻</m:t>
+                            </m:r>
+                          </m:e>
+                          <m:sub>
+                            <m:r>
+                              <a:rPr lang="en-US" sz="2400" b="0" i="1" smtClean="0">
+                                <a:latin typeface="Cambria Math" panose="02040503050406030204" pitchFamily="18" charset="0"/>
+                              </a:rPr>
+                              <m:t>1</m:t>
+                            </m:r>
+                          </m:sub>
+                        </m:sSub>
+                        <m:r>
+                          <a:rPr lang="en-US" sz="2400" b="0" i="1" smtClean="0">
+                            <a:latin typeface="Cambria Math" panose="02040503050406030204" pitchFamily="18" charset="0"/>
+                          </a:rPr>
+                          <m:t>, </m:t>
+                        </m:r>
+                        <m:sSub>
+                          <m:sSubPr>
+                            <m:ctrlPr>
+                              <a:rPr lang="en-US" sz="2400" b="0" i="1" smtClean="0">
+                                <a:latin typeface="Cambria Math" panose="02040503050406030204" pitchFamily="18" charset="0"/>
+                              </a:rPr>
+                            </m:ctrlPr>
+                          </m:sSubPr>
+                          <m:e>
+                            <m:r>
+                              <a:rPr lang="en-US" sz="2400" b="0" i="1" smtClean="0">
+                                <a:latin typeface="Cambria Math" panose="02040503050406030204" pitchFamily="18" charset="0"/>
+                              </a:rPr>
+                              <m:t>𝐺</m:t>
+                            </m:r>
+                          </m:e>
+                          <m:sub>
+                            <m:r>
+                              <a:rPr lang="en-US" sz="2400" b="0" i="1" smtClean="0">
+                                <a:latin typeface="Cambria Math" panose="02040503050406030204" pitchFamily="18" charset="0"/>
+                              </a:rPr>
+                              <m:t>3</m:t>
+                            </m:r>
+                          </m:sub>
+                        </m:sSub>
+                        <m:r>
+                          <a:rPr lang="en-US" sz="2400" b="0" i="1" smtClean="0">
+                            <a:latin typeface="Cambria Math" panose="02040503050406030204" pitchFamily="18" charset="0"/>
+                          </a:rPr>
+                          <m:t>⊎</m:t>
+                        </m:r>
+                        <m:sSub>
+                          <m:sSubPr>
+                            <m:ctrlPr>
+                              <a:rPr lang="en-US" sz="2400" b="0" i="1" smtClean="0">
+                                <a:latin typeface="Cambria Math" panose="02040503050406030204" pitchFamily="18" charset="0"/>
+                              </a:rPr>
+                            </m:ctrlPr>
+                          </m:sSubPr>
+                          <m:e>
+                            <m:r>
+                              <a:rPr lang="en-US" sz="2400" b="0" i="1" smtClean="0">
+                                <a:latin typeface="Cambria Math" panose="02040503050406030204" pitchFamily="18" charset="0"/>
+                              </a:rPr>
+                              <m:t>𝐻</m:t>
+                            </m:r>
+                          </m:e>
+                          <m:sub>
+                            <m:r>
+                              <a:rPr lang="en-US" sz="2400" b="0" i="1" smtClean="0">
+                                <a:latin typeface="Cambria Math" panose="02040503050406030204" pitchFamily="18" charset="0"/>
+                              </a:rPr>
+                              <m:t>1</m:t>
+                            </m:r>
+                          </m:sub>
+                        </m:sSub>
+                        <m:r>
+                          <a:rPr lang="en-US" sz="2400" b="0" i="1" smtClean="0">
+                            <a:latin typeface="Cambria Math" panose="02040503050406030204" pitchFamily="18" charset="0"/>
+                          </a:rPr>
+                          <m:t>, </m:t>
+                        </m:r>
+                      </m:oMath>
+                    </m:oMathPara>
+                  </a14:m>
+                  <a:endParaRPr lang="en-US" sz="2400" b="0" i="1" dirty="0">
+                    <a:latin typeface="Cambria Math" panose="02040503050406030204" pitchFamily="18" charset="0"/>
+                  </a:endParaRPr>
+                </a:p>
+                <a:p>
+                  <a:pPr algn="l"/>
+                  <a:r>
+                    <a:rPr lang="en-US" sz="2400" b="0" dirty="0"/>
+                    <a:t>                    </a:t>
+                  </a:r>
+                  <a14:m>
                     <m:oMath xmlns:m="http://schemas.openxmlformats.org/officeDocument/2006/math">
-                      <m:r>
-                        <a:rPr lang="en-US" sz="2400" b="0" i="1" smtClean="0">
-                          <a:latin typeface="Cambria Math" panose="02040503050406030204" pitchFamily="18" charset="0"/>
-                        </a:rPr>
-                        <m:t>𝒮</m:t>
-                      </m:r>
-                      <m:r>
-                        <a:rPr lang="en-US" sz="2400" b="0" i="0" smtClean="0">
-                          <a:latin typeface="Cambria Math" panose="02040503050406030204" pitchFamily="18" charset="0"/>
-                        </a:rPr>
-                        <m:t>={ </m:t>
-                      </m:r>
-                      <m:sSub>
-                        <m:sSubPr>
-                          <m:ctrlPr>
-                            <a:rPr lang="en-US" sz="2400" b="0" i="1" smtClean="0">
-                              <a:latin typeface="Cambria Math" panose="02040503050406030204" pitchFamily="18" charset="0"/>
-                            </a:rPr>
-                          </m:ctrlPr>
-                        </m:sSubPr>
-                        <m:e>
-                          <m:r>
-                            <m:rPr>
-                              <m:sty m:val="p"/>
-                            </m:rPr>
-                            <a:rPr lang="en-US" sz="2400" b="0" i="0" smtClean="0">
-                              <a:latin typeface="Cambria Math" panose="02040503050406030204" pitchFamily="18" charset="0"/>
-                            </a:rPr>
-                            <m:t>G</m:t>
-                          </m:r>
-                        </m:e>
-                        <m:sub>
-                          <m:r>
-                            <a:rPr lang="en-US" sz="2400" b="0" i="0" smtClean="0">
-                              <a:latin typeface="Cambria Math" panose="02040503050406030204" pitchFamily="18" charset="0"/>
-                            </a:rPr>
-                            <m:t>1</m:t>
-                          </m:r>
-                        </m:sub>
-                      </m:sSub>
-                      <m:r>
-                        <a:rPr lang="en-US" sz="2400" b="0" i="0" smtClean="0">
-                          <a:latin typeface="Cambria Math" panose="02040503050406030204" pitchFamily="18" charset="0"/>
-                        </a:rPr>
-                        <m:t>, </m:t>
-                      </m:r>
-                      <m:sSub>
-                        <m:sSubPr>
-                          <m:ctrlPr>
-                            <a:rPr lang="en-US" sz="2400" b="0" i="1" smtClean="0">
-                              <a:latin typeface="Cambria Math" panose="02040503050406030204" pitchFamily="18" charset="0"/>
-                            </a:rPr>
-                          </m:ctrlPr>
-                        </m:sSubPr>
-                        <m:e>
-                          <m:r>
-                            <m:rPr>
-                              <m:sty m:val="p"/>
-                            </m:rPr>
-                            <a:rPr lang="en-US" sz="2400" b="0" i="0" smtClean="0">
-                              <a:latin typeface="Cambria Math" panose="02040503050406030204" pitchFamily="18" charset="0"/>
-                            </a:rPr>
-                            <m:t>G</m:t>
-                          </m:r>
-                        </m:e>
-                        <m:sub>
-                          <m:r>
-                            <a:rPr lang="en-US" sz="2400" b="0" i="0" smtClean="0">
-                              <a:latin typeface="Cambria Math" panose="02040503050406030204" pitchFamily="18" charset="0"/>
-                            </a:rPr>
-                            <m:t>2</m:t>
-                          </m:r>
-                        </m:sub>
-                      </m:sSub>
-                      <m:r>
-                        <a:rPr lang="en-US" sz="2400" b="0" i="0" smtClean="0">
-                          <a:latin typeface="Cambria Math" panose="02040503050406030204" pitchFamily="18" charset="0"/>
-                        </a:rPr>
-                        <m:t>,</m:t>
-                      </m:r>
-                      <m:sSub>
-                        <m:sSubPr>
-                          <m:ctrlPr>
-                            <a:rPr lang="en-US" sz="2400" b="0" i="1" smtClean="0">
-                              <a:latin typeface="Cambria Math" panose="02040503050406030204" pitchFamily="18" charset="0"/>
-                            </a:rPr>
-                          </m:ctrlPr>
-                        </m:sSubPr>
-                        <m:e>
-                          <m:r>
-                            <m:rPr>
-                              <m:sty m:val="p"/>
-                            </m:rPr>
-                            <a:rPr lang="en-US" sz="2400" b="0" i="0" smtClean="0">
-                              <a:latin typeface="Cambria Math" panose="02040503050406030204" pitchFamily="18" charset="0"/>
-                            </a:rPr>
-                            <m:t>G</m:t>
-                          </m:r>
-                        </m:e>
-                        <m:sub>
-                          <m:r>
-                            <a:rPr lang="en-US" sz="2400" b="0" i="0" smtClean="0">
-                              <a:latin typeface="Cambria Math" panose="02040503050406030204" pitchFamily="18" charset="0"/>
-                            </a:rPr>
-                            <m:t>3</m:t>
-                          </m:r>
-                        </m:sub>
-                      </m:sSub>
-                      <m:r>
-                        <a:rPr lang="en-US" sz="2400" b="0" i="0" smtClean="0">
-                          <a:latin typeface="Cambria Math" panose="02040503050406030204" pitchFamily="18" charset="0"/>
-                        </a:rPr>
-                        <m:t>}</m:t>
-                      </m:r>
-                    </m:oMath>
-                  </m:oMathPara>
-                </a14:m>
-                <a:endParaRPr lang="en-US" sz="2400" dirty="0"/>
-              </a:p>
-            </p:txBody>
-          </p:sp>
-        </mc:Choice>
-        <mc:Fallback xmlns="">
-          <p:sp>
-            <p:nvSpPr>
-              <p:cNvPr id="5" name="TextBox 4">
-                <a:extLst>
-                  <a:ext uri="{FF2B5EF4-FFF2-40B4-BE49-F238E27FC236}">
-                    <a16:creationId xmlns:a16="http://schemas.microsoft.com/office/drawing/2014/main" id="{33A94A2F-1419-A3DA-6942-A780F396D140}"/>
-                  </a:ext>
-                </a:extLst>
-              </p:cNvPr>
-              <p:cNvSpPr txBox="1">
-                <a:spLocks noRot="1" noChangeAspect="1" noMove="1" noResize="1" noEditPoints="1" noAdjustHandles="1" noChangeArrowheads="1" noChangeShapeType="1" noTextEdit="1"/>
-              </p:cNvSpPr>
-              <p:nvPr/>
-            </p:nvSpPr>
-            <p:spPr>
-              <a:xfrm>
-                <a:off x="3000737" y="1847442"/>
-                <a:ext cx="2373727" cy="461665"/>
-              </a:xfrm>
-              <a:prstGeom prst="rect">
-                <a:avLst/>
-              </a:prstGeom>
-              <a:blipFill>
-                <a:blip r:embed="rId2"/>
-                <a:stretch>
-                  <a:fillRect b="-21622"/>
-                </a:stretch>
-              </a:blipFill>
-              <a:ln>
-                <a:noFill/>
-              </a:ln>
-            </p:spPr>
-            <p:txBody>
-              <a:bodyPr/>
-              <a:lstStyle/>
-              <a:p>
-                <a:r>
-                  <a:rPr lang="en-US">
-                    <a:noFill/>
-                  </a:rPr>
-                  <a:t> </a:t>
-                </a:r>
-              </a:p>
-            </p:txBody>
-          </p:sp>
-        </mc:Fallback>
-      </mc:AlternateContent>
-      <mc:AlternateContent xmlns:mc="http://schemas.openxmlformats.org/markup-compatibility/2006" xmlns:a14="http://schemas.microsoft.com/office/drawing/2010/main">
-        <mc:Choice Requires="a14">
-          <p:sp>
-            <p:nvSpPr>
-              <p:cNvPr id="6" name="TextBox 5">
-                <a:extLst>
-                  <a:ext uri="{FF2B5EF4-FFF2-40B4-BE49-F238E27FC236}">
-                    <a16:creationId xmlns:a16="http://schemas.microsoft.com/office/drawing/2014/main" id="{BA423EDB-9AC1-4E33-4531-7B618FB8D27F}"/>
-                  </a:ext>
-                </a:extLst>
-              </p:cNvPr>
-              <p:cNvSpPr txBox="1"/>
-              <p:nvPr/>
-            </p:nvSpPr>
-            <p:spPr>
-              <a:xfrm>
-                <a:off x="5795936" y="1847442"/>
-                <a:ext cx="2008307" cy="461665"/>
-              </a:xfrm>
-              <a:prstGeom prst="rect">
-                <a:avLst/>
-              </a:prstGeom>
-              <a:ln>
-                <a:noFill/>
-              </a:ln>
-            </p:spPr>
-            <p:txBody>
-              <a:bodyPr vert="horz" wrap="none" lIns="91440" tIns="45720" rIns="91440" bIns="45720" rtlCol="0">
-                <a:spAutoFit/>
-              </a:bodyPr>
-              <a:lstStyle/>
-              <a:p>
-                <a:pPr algn="l"/>
-                <a14:m>
-                  <m:oMathPara xmlns:m="http://schemas.openxmlformats.org/officeDocument/2006/math">
-                    <m:oMathParaPr>
-                      <m:jc m:val="centerGroup"/>
-                    </m:oMathParaPr>
-                    <m:oMath xmlns:m="http://schemas.openxmlformats.org/officeDocument/2006/math">
-                      <m:r>
-                        <a:rPr lang="en-US" sz="2400" b="0" i="1" smtClean="0">
-                          <a:latin typeface="Cambria Math" panose="02040503050406030204" pitchFamily="18" charset="0"/>
-                        </a:rPr>
-                        <m:t>𝒯</m:t>
-                      </m:r>
-                      <m:r>
-                        <a:rPr lang="en-US" sz="2400" b="0" i="0" smtClean="0">
-                          <a:latin typeface="Cambria Math" panose="02040503050406030204" pitchFamily="18" charset="0"/>
-                        </a:rPr>
-                        <m:t>={ </m:t>
-                      </m:r>
-                      <m:sSub>
-                        <m:sSubPr>
-                          <m:ctrlPr>
-                            <a:rPr lang="en-US" sz="2400" b="0" i="1" smtClean="0">
-                              <a:latin typeface="Cambria Math" panose="02040503050406030204" pitchFamily="18" charset="0"/>
-                            </a:rPr>
-                          </m:ctrlPr>
-                        </m:sSubPr>
-                        <m:e>
-                          <m:r>
-                            <m:rPr>
-                              <m:sty m:val="p"/>
-                            </m:rPr>
-                            <a:rPr lang="en-US" sz="2400" b="0" i="0" smtClean="0">
-                              <a:latin typeface="Cambria Math" panose="02040503050406030204" pitchFamily="18" charset="0"/>
-                            </a:rPr>
-                            <m:t>H</m:t>
-                          </m:r>
-                        </m:e>
-                        <m:sub>
-                          <m:r>
-                            <a:rPr lang="en-US" sz="2400" b="0" i="0" smtClean="0">
-                              <a:latin typeface="Cambria Math" panose="02040503050406030204" pitchFamily="18" charset="0"/>
-                            </a:rPr>
-                            <m:t>1</m:t>
-                          </m:r>
-                        </m:sub>
-                      </m:sSub>
-                      <m:r>
-                        <a:rPr lang="en-US" sz="2400" b="0" i="0" smtClean="0">
-                          <a:latin typeface="Cambria Math" panose="02040503050406030204" pitchFamily="18" charset="0"/>
-                        </a:rPr>
-                        <m:t>, </m:t>
-                      </m:r>
-                      <m:sSub>
-                        <m:sSubPr>
-                          <m:ctrlPr>
-                            <a:rPr lang="en-US" sz="2400" b="0" i="1" smtClean="0">
-                              <a:latin typeface="Cambria Math" panose="02040503050406030204" pitchFamily="18" charset="0"/>
-                            </a:rPr>
-                          </m:ctrlPr>
-                        </m:sSubPr>
-                        <m:e>
-                          <m:r>
-                            <m:rPr>
-                              <m:sty m:val="p"/>
-                            </m:rPr>
-                            <a:rPr lang="en-US" sz="2400" b="0" i="0" smtClean="0">
-                              <a:latin typeface="Cambria Math" panose="02040503050406030204" pitchFamily="18" charset="0"/>
-                            </a:rPr>
-                            <m:t>H</m:t>
-                          </m:r>
-                        </m:e>
-                        <m:sub>
-                          <m:r>
-                            <a:rPr lang="en-US" sz="2400" b="0" i="0" smtClean="0">
-                              <a:latin typeface="Cambria Math" panose="02040503050406030204" pitchFamily="18" charset="0"/>
-                            </a:rPr>
-                            <m:t>2</m:t>
-                          </m:r>
-                        </m:sub>
-                      </m:sSub>
-                      <m:r>
-                        <a:rPr lang="en-US" sz="2400" b="0" i="0" smtClean="0">
-                          <a:latin typeface="Cambria Math" panose="02040503050406030204" pitchFamily="18" charset="0"/>
-                        </a:rPr>
-                        <m:t>}</m:t>
-                      </m:r>
-                    </m:oMath>
-                  </m:oMathPara>
-                </a14:m>
-                <a:endParaRPr lang="en-US" sz="2400" dirty="0"/>
-              </a:p>
-            </p:txBody>
-          </p:sp>
-        </mc:Choice>
-        <mc:Fallback xmlns="">
-          <p:sp>
-            <p:nvSpPr>
-              <p:cNvPr id="6" name="TextBox 5">
-                <a:extLst>
-                  <a:ext uri="{FF2B5EF4-FFF2-40B4-BE49-F238E27FC236}">
-                    <a16:creationId xmlns:a16="http://schemas.microsoft.com/office/drawing/2014/main" id="{BA423EDB-9AC1-4E33-4531-7B618FB8D27F}"/>
-                  </a:ext>
-                </a:extLst>
-              </p:cNvPr>
-              <p:cNvSpPr txBox="1">
-                <a:spLocks noRot="1" noChangeAspect="1" noMove="1" noResize="1" noEditPoints="1" noAdjustHandles="1" noChangeArrowheads="1" noChangeShapeType="1" noTextEdit="1"/>
-              </p:cNvSpPr>
-              <p:nvPr/>
-            </p:nvSpPr>
-            <p:spPr>
-              <a:xfrm>
-                <a:off x="5795936" y="1847442"/>
-                <a:ext cx="2008307" cy="461665"/>
-              </a:xfrm>
-              <a:prstGeom prst="rect">
-                <a:avLst/>
-              </a:prstGeom>
-              <a:blipFill>
-                <a:blip r:embed="rId3"/>
-                <a:stretch>
-                  <a:fillRect b="-21622"/>
-                </a:stretch>
-              </a:blipFill>
-              <a:ln>
-                <a:noFill/>
-              </a:ln>
-            </p:spPr>
-            <p:txBody>
-              <a:bodyPr/>
-              <a:lstStyle/>
-              <a:p>
-                <a:r>
-                  <a:rPr lang="en-US">
-                    <a:noFill/>
-                  </a:rPr>
-                  <a:t> </a:t>
-                </a:r>
-              </a:p>
-            </p:txBody>
-          </p:sp>
-        </mc:Fallback>
-      </mc:AlternateContent>
-      <mc:AlternateContent xmlns:mc="http://schemas.openxmlformats.org/markup-compatibility/2006" xmlns:a14="http://schemas.microsoft.com/office/drawing/2010/main">
-        <mc:Choice Requires="a14">
-          <p:sp>
-            <p:nvSpPr>
-              <p:cNvPr id="7" name="TextBox 6">
-                <a:extLst>
-                  <a:ext uri="{FF2B5EF4-FFF2-40B4-BE49-F238E27FC236}">
-                    <a16:creationId xmlns:a16="http://schemas.microsoft.com/office/drawing/2014/main" id="{0DE7687E-37D6-F6F2-1D69-9D812CDB7A1F}"/>
-                  </a:ext>
-                </a:extLst>
-              </p:cNvPr>
-              <p:cNvSpPr txBox="1"/>
-              <p:nvPr/>
-            </p:nvSpPr>
-            <p:spPr>
-              <a:xfrm>
-                <a:off x="1922806" y="3660470"/>
-                <a:ext cx="5455894" cy="830997"/>
-              </a:xfrm>
-              <a:prstGeom prst="rect">
-                <a:avLst/>
-              </a:prstGeom>
-              <a:ln>
-                <a:noFill/>
-              </a:ln>
-            </p:spPr>
-            <p:txBody>
-              <a:bodyPr vert="horz" wrap="square" lIns="91440" tIns="45720" rIns="91440" bIns="45720" rtlCol="0">
-                <a:spAutoFit/>
-              </a:bodyPr>
-              <a:lstStyle/>
-              <a:p>
-                <a:pPr algn="l"/>
-                <a14:m>
-                  <m:oMathPara xmlns:m="http://schemas.openxmlformats.org/officeDocument/2006/math">
-                    <m:oMathParaPr>
-                      <m:jc m:val="centerGroup"/>
-                    </m:oMathParaPr>
-                    <m:oMath xmlns:m="http://schemas.openxmlformats.org/officeDocument/2006/math">
-                      <m:r>
-                        <a:rPr lang="en-US" sz="2400" b="0" i="1" smtClean="0">
-                          <a:latin typeface="Cambria Math" panose="02040503050406030204" pitchFamily="18" charset="0"/>
-                        </a:rPr>
-                        <m:t>𝒮</m:t>
-                      </m:r>
-                      <m:r>
-                        <a:rPr lang="en-US" sz="2400" b="0" i="1" smtClean="0">
-                          <a:latin typeface="Cambria Math" panose="02040503050406030204" pitchFamily="18" charset="0"/>
-                        </a:rPr>
-                        <m:t>⋈</m:t>
-                      </m:r>
-                      <m:r>
-                        <a:rPr lang="en-US" sz="2400" b="0" i="1" smtClean="0">
-                          <a:latin typeface="Cambria Math" panose="02040503050406030204" pitchFamily="18" charset="0"/>
-                        </a:rPr>
-                        <m:t>𝒯</m:t>
-                      </m:r>
-                      <m:r>
-                        <a:rPr lang="en-US" sz="2400" b="0" i="1" smtClean="0">
-                          <a:latin typeface="Cambria Math" panose="02040503050406030204" pitchFamily="18" charset="0"/>
-                        </a:rPr>
-                        <m:t>={</m:t>
-                      </m:r>
                       <m:sSub>
                         <m:sSubPr>
                           <m:ctrlPr>
@@ -33109,7 +33354,7 @@
                             <a:rPr lang="en-US" sz="2400" b="0" i="1" smtClean="0">
                               <a:latin typeface="Cambria Math" panose="02040503050406030204" pitchFamily="18" charset="0"/>
                             </a:rPr>
-                            <m:t>1</m:t>
+                            <m:t>2</m:t>
                           </m:r>
                         </m:sub>
                       </m:sSub>
@@ -33171,7 +33416,7 @@
                             <a:rPr lang="en-US" sz="2400" b="0" i="1" smtClean="0">
                               <a:latin typeface="Cambria Math" panose="02040503050406030204" pitchFamily="18" charset="0"/>
                             </a:rPr>
-                            <m:t>1</m:t>
+                            <m:t>2</m:t>
                           </m:r>
                         </m:sub>
                       </m:sSub>
@@ -33233,7 +33478,7 @@
                             <a:rPr lang="en-US" sz="2400" b="0" i="1" smtClean="0">
                               <a:latin typeface="Cambria Math" panose="02040503050406030204" pitchFamily="18" charset="0"/>
                             </a:rPr>
-                            <m:t>1</m:t>
+                            <m:t>2</m:t>
                           </m:r>
                         </m:sub>
                       </m:sSub>
@@ -33241,331 +33486,390 @@
                         <a:rPr lang="en-US" sz="2400" b="0" i="1" smtClean="0">
                           <a:latin typeface="Cambria Math" panose="02040503050406030204" pitchFamily="18" charset="0"/>
                         </a:rPr>
-                        <m:t>, </m:t>
+                        <m:t>} </m:t>
                       </m:r>
                     </m:oMath>
-                  </m:oMathPara>
-                </a14:m>
-                <a:endParaRPr lang="en-US" sz="2400" b="0" i="1" dirty="0">
-                  <a:latin typeface="Cambria Math" panose="02040503050406030204" pitchFamily="18" charset="0"/>
-                </a:endParaRPr>
-              </a:p>
-              <a:p>
-                <a:pPr algn="l"/>
-                <a:r>
-                  <a:rPr lang="en-US" sz="2400" b="0" dirty="0"/>
-                  <a:t>                    </a:t>
-                </a:r>
-                <a14:m>
-                  <m:oMath xmlns:m="http://schemas.openxmlformats.org/officeDocument/2006/math">
-                    <m:sSub>
-                      <m:sSubPr>
-                        <m:ctrlPr>
-                          <a:rPr lang="en-US" sz="2400" b="0" i="1" smtClean="0">
-                            <a:latin typeface="Cambria Math" panose="02040503050406030204" pitchFamily="18" charset="0"/>
-                          </a:rPr>
-                        </m:ctrlPr>
-                      </m:sSubPr>
-                      <m:e>
+                  </a14:m>
+                  <a:r>
+                    <a:rPr lang="en-US" sz="2400" dirty="0"/>
+                    <a:t>   </a:t>
+                  </a:r>
+                </a:p>
+              </p:txBody>
+            </p:sp>
+          </mc:Choice>
+          <mc:Fallback>
+            <p:sp>
+              <p:nvSpPr>
+                <p:cNvPr id="7" name="TextBox 6">
+                  <a:extLst>
+                    <a:ext uri="{FF2B5EF4-FFF2-40B4-BE49-F238E27FC236}">
+                      <a16:creationId xmlns:a16="http://schemas.microsoft.com/office/drawing/2014/main" id="{0DE7687E-37D6-F6F2-1D69-9D812CDB7A1F}"/>
+                    </a:ext>
+                  </a:extLst>
+                </p:cNvPr>
+                <p:cNvSpPr txBox="1">
+                  <a:spLocks noRot="1" noChangeAspect="1" noMove="1" noResize="1" noEditPoints="1" noAdjustHandles="1" noChangeArrowheads="1" noChangeShapeType="1" noTextEdit="1"/>
+                </p:cNvSpPr>
+                <p:nvPr/>
+              </p:nvSpPr>
+              <p:spPr>
+                <a:xfrm>
+                  <a:off x="1922806" y="3660470"/>
+                  <a:ext cx="5455894" cy="830997"/>
+                </a:xfrm>
+                <a:prstGeom prst="rect">
+                  <a:avLst/>
+                </a:prstGeom>
+                <a:blipFill>
+                  <a:blip r:embed="rId4"/>
+                  <a:stretch>
+                    <a:fillRect b="-12121"/>
+                  </a:stretch>
+                </a:blipFill>
+                <a:ln>
+                  <a:noFill/>
+                </a:ln>
+              </p:spPr>
+              <p:txBody>
+                <a:bodyPr/>
+                <a:lstStyle/>
+                <a:p>
+                  <a:r>
+                    <a:rPr lang="en-US">
+                      <a:noFill/>
+                    </a:rPr>
+                    <a:t> </a:t>
+                  </a:r>
+                </a:p>
+              </p:txBody>
+            </p:sp>
+          </mc:Fallback>
+        </mc:AlternateContent>
+        <p:sp>
+          <p:nvSpPr>
+            <p:cNvPr id="9" name="TextBox 8">
+              <a:extLst>
+                <a:ext uri="{FF2B5EF4-FFF2-40B4-BE49-F238E27FC236}">
+                  <a16:creationId xmlns:a16="http://schemas.microsoft.com/office/drawing/2014/main" id="{24643F71-1C20-78A1-B8CB-C9BFE2B61388}"/>
+                </a:ext>
+              </a:extLst>
+            </p:cNvPr>
+            <p:cNvSpPr txBox="1"/>
+            <p:nvPr/>
+          </p:nvSpPr>
+          <p:spPr>
+            <a:xfrm>
+              <a:off x="3223118" y="3200577"/>
+              <a:ext cx="2855269" cy="461665"/>
+            </a:xfrm>
+            <a:prstGeom prst="rect">
+              <a:avLst/>
+            </a:prstGeom>
+            <a:ln>
+              <a:noFill/>
+            </a:ln>
+          </p:spPr>
+          <p:txBody>
+            <a:bodyPr vert="horz" wrap="none" lIns="91440" tIns="45720" rIns="91440" bIns="45720" rtlCol="0">
+              <a:spAutoFit/>
+            </a:bodyPr>
+            <a:lstStyle/>
+            <a:p>
+              <a:pPr algn="l"/>
+              <a:r>
+                <a:rPr lang="en-US" sz="2400" dirty="0"/>
+                <a:t>Distributive Product</a:t>
+              </a:r>
+            </a:p>
+          </p:txBody>
+        </p:sp>
+      </p:grpSp>
+      <p:grpSp>
+        <p:nvGrpSpPr>
+          <p:cNvPr id="11" name="Group 10">
+            <a:extLst>
+              <a:ext uri="{FF2B5EF4-FFF2-40B4-BE49-F238E27FC236}">
+                <a16:creationId xmlns:a16="http://schemas.microsoft.com/office/drawing/2014/main" id="{BE71955D-9199-F919-1540-C8F1813E9F27}"/>
+              </a:ext>
+            </a:extLst>
+          </p:cNvPr>
+          <p:cNvGrpSpPr/>
+          <p:nvPr/>
+        </p:nvGrpSpPr>
+        <p:grpSpPr>
+          <a:xfrm>
+            <a:off x="3592141" y="4895240"/>
+            <a:ext cx="5007718" cy="1346724"/>
+            <a:chOff x="1353387" y="4844798"/>
+            <a:chExt cx="5007718" cy="1346724"/>
+          </a:xfrm>
+        </p:grpSpPr>
+        <mc:AlternateContent xmlns:mc="http://schemas.openxmlformats.org/markup-compatibility/2006">
+          <mc:Choice xmlns:a14="http://schemas.microsoft.com/office/drawing/2010/main" Requires="a14">
+            <p:sp>
+              <p:nvSpPr>
+                <p:cNvPr id="8" name="TextBox 7">
+                  <a:extLst>
+                    <a:ext uri="{FF2B5EF4-FFF2-40B4-BE49-F238E27FC236}">
+                      <a16:creationId xmlns:a16="http://schemas.microsoft.com/office/drawing/2014/main" id="{92D83533-5CB8-370B-6A39-F948579643B0}"/>
+                    </a:ext>
+                  </a:extLst>
+                </p:cNvPr>
+                <p:cNvSpPr txBox="1"/>
+                <p:nvPr/>
+              </p:nvSpPr>
+              <p:spPr>
+                <a:xfrm>
+                  <a:off x="1353387" y="5360525"/>
+                  <a:ext cx="5007718" cy="830997"/>
+                </a:xfrm>
+                <a:prstGeom prst="rect">
+                  <a:avLst/>
+                </a:prstGeom>
+                <a:ln>
+                  <a:noFill/>
+                </a:ln>
+              </p:spPr>
+              <p:txBody>
+                <a:bodyPr vert="horz" wrap="none" lIns="91440" tIns="45720" rIns="91440" bIns="45720" rtlCol="0">
+                  <a:spAutoFit/>
+                </a:bodyPr>
+                <a:lstStyle/>
+                <a:p>
+                  <a:pPr algn="l"/>
+                  <a14:m>
+                    <m:oMathPara xmlns:m="http://schemas.openxmlformats.org/officeDocument/2006/math">
+                      <m:oMathParaPr>
+                        <m:jc m:val="centerGroup"/>
+                      </m:oMathParaPr>
+                      <m:oMath xmlns:m="http://schemas.openxmlformats.org/officeDocument/2006/math">
                         <m:r>
                           <a:rPr lang="en-US" sz="2400" b="0" i="1" smtClean="0">
                             <a:latin typeface="Cambria Math" panose="02040503050406030204" pitchFamily="18" charset="0"/>
                           </a:rPr>
-                          <m:t>𝐺</m:t>
+                          <m:t>𝒮</m:t>
                         </m:r>
-                      </m:e>
-                      <m:sub>
+                        <m:r>
+                          <a:rPr lang="en-US" sz="2400" b="0" i="1" smtClean="0">
+                            <a:latin typeface="Cambria Math" panose="02040503050406030204" pitchFamily="18" charset="0"/>
+                            <a:ea typeface="Cambria Math" panose="02040503050406030204" pitchFamily="18" charset="0"/>
+                          </a:rPr>
+                          <m:t>⇝</m:t>
+                        </m:r>
                         <m:r>
                           <a:rPr lang="en-US" sz="2400" b="0" i="1" smtClean="0">
                             <a:latin typeface="Cambria Math" panose="02040503050406030204" pitchFamily="18" charset="0"/>
                           </a:rPr>
-                          <m:t>1</m:t>
+                          <m:t>𝒯</m:t>
                         </m:r>
-                      </m:sub>
-                    </m:sSub>
-                    <m:r>
-                      <a:rPr lang="en-US" sz="2400" b="0" i="1" smtClean="0">
-                        <a:latin typeface="Cambria Math" panose="02040503050406030204" pitchFamily="18" charset="0"/>
-                      </a:rPr>
-                      <m:t>⊎</m:t>
-                    </m:r>
-                    <m:sSub>
-                      <m:sSubPr>
-                        <m:ctrlPr>
-                          <a:rPr lang="en-US" sz="2400" b="0" i="1" smtClean="0">
-                            <a:latin typeface="Cambria Math" panose="02040503050406030204" pitchFamily="18" charset="0"/>
-                          </a:rPr>
-                        </m:ctrlPr>
-                      </m:sSubPr>
-                      <m:e>
                         <m:r>
                           <a:rPr lang="en-US" sz="2400" b="0" i="1" smtClean="0">
                             <a:latin typeface="Cambria Math" panose="02040503050406030204" pitchFamily="18" charset="0"/>
                           </a:rPr>
-                          <m:t>𝐻</m:t>
+                          <m:t>={</m:t>
                         </m:r>
-                      </m:e>
-                      <m:sub>
+                        <m:sSub>
+                          <m:sSubPr>
+                            <m:ctrlPr>
+                              <a:rPr lang="en-US" sz="2400" b="0" i="1" smtClean="0">
+                                <a:latin typeface="Cambria Math" panose="02040503050406030204" pitchFamily="18" charset="0"/>
+                              </a:rPr>
+                            </m:ctrlPr>
+                          </m:sSubPr>
+                          <m:e>
+                            <m:r>
+                              <a:rPr lang="en-US" sz="2400" b="0" i="1" smtClean="0">
+                                <a:latin typeface="Cambria Math" panose="02040503050406030204" pitchFamily="18" charset="0"/>
+                              </a:rPr>
+                              <m:t>𝐺</m:t>
+                            </m:r>
+                          </m:e>
+                          <m:sub>
+                            <m:r>
+                              <a:rPr lang="en-US" sz="2400" b="0" i="1" smtClean="0">
+                                <a:latin typeface="Cambria Math" panose="02040503050406030204" pitchFamily="18" charset="0"/>
+                              </a:rPr>
+                              <m:t>1</m:t>
+                            </m:r>
+                          </m:sub>
+                        </m:sSub>
                         <m:r>
                           <a:rPr lang="en-US" sz="2400" b="0" i="1" smtClean="0">
                             <a:latin typeface="Cambria Math" panose="02040503050406030204" pitchFamily="18" charset="0"/>
                           </a:rPr>
-                          <m:t>2</m:t>
+                          <m:t>∗</m:t>
                         </m:r>
-                      </m:sub>
-                    </m:sSub>
-                    <m:r>
-                      <a:rPr lang="en-US" sz="2400" b="0" i="1" smtClean="0">
-                        <a:latin typeface="Cambria Math" panose="02040503050406030204" pitchFamily="18" charset="0"/>
-                      </a:rPr>
-                      <m:t>, </m:t>
-                    </m:r>
-                    <m:sSub>
-                      <m:sSubPr>
-                        <m:ctrlPr>
-                          <a:rPr lang="en-US" sz="2400" b="0" i="1" smtClean="0">
-                            <a:latin typeface="Cambria Math" panose="02040503050406030204" pitchFamily="18" charset="0"/>
-                          </a:rPr>
-                        </m:ctrlPr>
-                      </m:sSubPr>
-                      <m:e>
+                        <m:sSub>
+                          <m:sSubPr>
+                            <m:ctrlPr>
+                              <a:rPr lang="en-US" sz="2400" b="0" i="1" smtClean="0">
+                                <a:latin typeface="Cambria Math" panose="02040503050406030204" pitchFamily="18" charset="0"/>
+                              </a:rPr>
+                            </m:ctrlPr>
+                          </m:sSubPr>
+                          <m:e>
+                            <m:r>
+                              <a:rPr lang="en-US" sz="2400" b="0" i="1" smtClean="0">
+                                <a:latin typeface="Cambria Math" panose="02040503050406030204" pitchFamily="18" charset="0"/>
+                              </a:rPr>
+                              <m:t>𝐻</m:t>
+                            </m:r>
+                          </m:e>
+                          <m:sub>
+                            <m:r>
+                              <a:rPr lang="en-US" sz="2400" b="0" i="1" smtClean="0">
+                                <a:latin typeface="Cambria Math" panose="02040503050406030204" pitchFamily="18" charset="0"/>
+                              </a:rPr>
+                              <m:t>1</m:t>
+                            </m:r>
+                          </m:sub>
+                        </m:sSub>
                         <m:r>
                           <a:rPr lang="en-US" sz="2400" b="0" i="1" smtClean="0">
                             <a:latin typeface="Cambria Math" panose="02040503050406030204" pitchFamily="18" charset="0"/>
                           </a:rPr>
-                          <m:t>𝐺</m:t>
+                          <m:t>, </m:t>
                         </m:r>
-                      </m:e>
-                      <m:sub>
+                        <m:sSub>
+                          <m:sSubPr>
+                            <m:ctrlPr>
+                              <a:rPr lang="en-US" sz="2400" b="0" i="1" smtClean="0">
+                                <a:latin typeface="Cambria Math" panose="02040503050406030204" pitchFamily="18" charset="0"/>
+                              </a:rPr>
+                            </m:ctrlPr>
+                          </m:sSubPr>
+                          <m:e>
+                            <m:r>
+                              <a:rPr lang="en-US" sz="2400" b="0" i="1" smtClean="0">
+                                <a:latin typeface="Cambria Math" panose="02040503050406030204" pitchFamily="18" charset="0"/>
+                              </a:rPr>
+                              <m:t>𝐺</m:t>
+                            </m:r>
+                          </m:e>
+                          <m:sub>
+                            <m:r>
+                              <a:rPr lang="en-US" sz="2400" b="0" i="1" smtClean="0">
+                                <a:latin typeface="Cambria Math" panose="02040503050406030204" pitchFamily="18" charset="0"/>
+                              </a:rPr>
+                              <m:t>2</m:t>
+                            </m:r>
+                          </m:sub>
+                        </m:sSub>
                         <m:r>
                           <a:rPr lang="en-US" sz="2400" b="0" i="1" smtClean="0">
                             <a:latin typeface="Cambria Math" panose="02040503050406030204" pitchFamily="18" charset="0"/>
                           </a:rPr>
-                          <m:t>2</m:t>
+                          <m:t>∗</m:t>
                         </m:r>
-                      </m:sub>
-                    </m:sSub>
-                    <m:r>
-                      <a:rPr lang="en-US" sz="2400" b="0" i="1" smtClean="0">
-                        <a:latin typeface="Cambria Math" panose="02040503050406030204" pitchFamily="18" charset="0"/>
-                      </a:rPr>
-                      <m:t>⊎</m:t>
-                    </m:r>
-                    <m:sSub>
-                      <m:sSubPr>
-                        <m:ctrlPr>
-                          <a:rPr lang="en-US" sz="2400" b="0" i="1" smtClean="0">
-                            <a:latin typeface="Cambria Math" panose="02040503050406030204" pitchFamily="18" charset="0"/>
-                          </a:rPr>
-                        </m:ctrlPr>
-                      </m:sSubPr>
-                      <m:e>
+                        <m:sSub>
+                          <m:sSubPr>
+                            <m:ctrlPr>
+                              <a:rPr lang="en-US" sz="2400" b="0" i="1" smtClean="0">
+                                <a:latin typeface="Cambria Math" panose="02040503050406030204" pitchFamily="18" charset="0"/>
+                              </a:rPr>
+                            </m:ctrlPr>
+                          </m:sSubPr>
+                          <m:e>
+                            <m:r>
+                              <a:rPr lang="en-US" sz="2400" b="0" i="1" smtClean="0">
+                                <a:latin typeface="Cambria Math" panose="02040503050406030204" pitchFamily="18" charset="0"/>
+                              </a:rPr>
+                              <m:t>𝐻</m:t>
+                            </m:r>
+                          </m:e>
+                          <m:sub>
+                            <m:r>
+                              <a:rPr lang="en-US" sz="2400" b="0" i="1" smtClean="0">
+                                <a:latin typeface="Cambria Math" panose="02040503050406030204" pitchFamily="18" charset="0"/>
+                              </a:rPr>
+                              <m:t>1</m:t>
+                            </m:r>
+                          </m:sub>
+                        </m:sSub>
                         <m:r>
                           <a:rPr lang="en-US" sz="2400" b="0" i="1" smtClean="0">
                             <a:latin typeface="Cambria Math" panose="02040503050406030204" pitchFamily="18" charset="0"/>
                           </a:rPr>
-                          <m:t>𝐻</m:t>
+                          <m:t>, </m:t>
                         </m:r>
-                      </m:e>
-                      <m:sub>
+                        <m:sSub>
+                          <m:sSubPr>
+                            <m:ctrlPr>
+                              <a:rPr lang="en-US" sz="2400" b="0" i="1" smtClean="0">
+                                <a:latin typeface="Cambria Math" panose="02040503050406030204" pitchFamily="18" charset="0"/>
+                              </a:rPr>
+                            </m:ctrlPr>
+                          </m:sSubPr>
+                          <m:e>
+                            <m:r>
+                              <a:rPr lang="en-US" sz="2400" b="0" i="1" smtClean="0">
+                                <a:latin typeface="Cambria Math" panose="02040503050406030204" pitchFamily="18" charset="0"/>
+                              </a:rPr>
+                              <m:t>𝐺</m:t>
+                            </m:r>
+                          </m:e>
+                          <m:sub>
+                            <m:r>
+                              <a:rPr lang="en-US" sz="2400" b="0" i="1" smtClean="0">
+                                <a:latin typeface="Cambria Math" panose="02040503050406030204" pitchFamily="18" charset="0"/>
+                              </a:rPr>
+                              <m:t>3</m:t>
+                            </m:r>
+                          </m:sub>
+                        </m:sSub>
                         <m:r>
                           <a:rPr lang="en-US" sz="2400" b="0" i="1" smtClean="0">
                             <a:latin typeface="Cambria Math" panose="02040503050406030204" pitchFamily="18" charset="0"/>
                           </a:rPr>
-                          <m:t>2</m:t>
+                          <m:t>∗</m:t>
                         </m:r>
-                      </m:sub>
-                    </m:sSub>
-                    <m:r>
-                      <a:rPr lang="en-US" sz="2400" b="0" i="1" smtClean="0">
-                        <a:latin typeface="Cambria Math" panose="02040503050406030204" pitchFamily="18" charset="0"/>
-                      </a:rPr>
-                      <m:t>, </m:t>
-                    </m:r>
-                    <m:sSub>
-                      <m:sSubPr>
-                        <m:ctrlPr>
-                          <a:rPr lang="en-US" sz="2400" b="0" i="1" smtClean="0">
-                            <a:latin typeface="Cambria Math" panose="02040503050406030204" pitchFamily="18" charset="0"/>
-                          </a:rPr>
-                        </m:ctrlPr>
-                      </m:sSubPr>
-                      <m:e>
+                        <m:sSub>
+                          <m:sSubPr>
+                            <m:ctrlPr>
+                              <a:rPr lang="en-US" sz="2400" b="0" i="1" smtClean="0">
+                                <a:latin typeface="Cambria Math" panose="02040503050406030204" pitchFamily="18" charset="0"/>
+                              </a:rPr>
+                            </m:ctrlPr>
+                          </m:sSubPr>
+                          <m:e>
+                            <m:r>
+                              <a:rPr lang="en-US" sz="2400" b="0" i="1" smtClean="0">
+                                <a:latin typeface="Cambria Math" panose="02040503050406030204" pitchFamily="18" charset="0"/>
+                              </a:rPr>
+                              <m:t>𝐻</m:t>
+                            </m:r>
+                          </m:e>
+                          <m:sub>
+                            <m:r>
+                              <a:rPr lang="en-US" sz="2400" b="0" i="1" smtClean="0">
+                                <a:latin typeface="Cambria Math" panose="02040503050406030204" pitchFamily="18" charset="0"/>
+                              </a:rPr>
+                              <m:t>1</m:t>
+                            </m:r>
+                          </m:sub>
+                        </m:sSub>
                         <m:r>
                           <a:rPr lang="en-US" sz="2400" b="0" i="1" smtClean="0">
                             <a:latin typeface="Cambria Math" panose="02040503050406030204" pitchFamily="18" charset="0"/>
                           </a:rPr>
-                          <m:t>𝐺</m:t>
+                          <m:t>, </m:t>
                         </m:r>
-                      </m:e>
-                      <m:sub>
-                        <m:r>
-                          <a:rPr lang="en-US" sz="2400" b="0" i="1" smtClean="0">
-                            <a:latin typeface="Cambria Math" panose="02040503050406030204" pitchFamily="18" charset="0"/>
-                          </a:rPr>
-                          <m:t>3</m:t>
-                        </m:r>
-                      </m:sub>
-                    </m:sSub>
-                    <m:r>
-                      <a:rPr lang="en-US" sz="2400" b="0" i="1" smtClean="0">
-                        <a:latin typeface="Cambria Math" panose="02040503050406030204" pitchFamily="18" charset="0"/>
-                      </a:rPr>
-                      <m:t>⊎</m:t>
-                    </m:r>
-                    <m:sSub>
-                      <m:sSubPr>
-                        <m:ctrlPr>
-                          <a:rPr lang="en-US" sz="2400" b="0" i="1" smtClean="0">
-                            <a:latin typeface="Cambria Math" panose="02040503050406030204" pitchFamily="18" charset="0"/>
-                          </a:rPr>
-                        </m:ctrlPr>
-                      </m:sSubPr>
-                      <m:e>
-                        <m:r>
-                          <a:rPr lang="en-US" sz="2400" b="0" i="1" smtClean="0">
-                            <a:latin typeface="Cambria Math" panose="02040503050406030204" pitchFamily="18" charset="0"/>
-                          </a:rPr>
-                          <m:t>𝐻</m:t>
-                        </m:r>
-                      </m:e>
-                      <m:sub>
-                        <m:r>
-                          <a:rPr lang="en-US" sz="2400" b="0" i="1" smtClean="0">
-                            <a:latin typeface="Cambria Math" panose="02040503050406030204" pitchFamily="18" charset="0"/>
-                          </a:rPr>
-                          <m:t>2</m:t>
-                        </m:r>
-                      </m:sub>
-                    </m:sSub>
-                    <m:r>
-                      <a:rPr lang="en-US" sz="2400" b="0" i="1" smtClean="0">
-                        <a:latin typeface="Cambria Math" panose="02040503050406030204" pitchFamily="18" charset="0"/>
-                      </a:rPr>
-                      <m:t>} </m:t>
-                    </m:r>
-                  </m:oMath>
-                </a14:m>
-                <a:r>
-                  <a:rPr lang="en-US" sz="2400" dirty="0"/>
-                  <a:t>   </a:t>
-                </a:r>
-              </a:p>
-            </p:txBody>
-          </p:sp>
-        </mc:Choice>
-        <mc:Fallback xmlns="">
-          <p:sp>
-            <p:nvSpPr>
-              <p:cNvPr id="7" name="TextBox 6">
-                <a:extLst>
-                  <a:ext uri="{FF2B5EF4-FFF2-40B4-BE49-F238E27FC236}">
-                    <a16:creationId xmlns:a16="http://schemas.microsoft.com/office/drawing/2014/main" id="{0DE7687E-37D6-F6F2-1D69-9D812CDB7A1F}"/>
-                  </a:ext>
-                </a:extLst>
-              </p:cNvPr>
-              <p:cNvSpPr txBox="1">
-                <a:spLocks noRot="1" noChangeAspect="1" noMove="1" noResize="1" noEditPoints="1" noAdjustHandles="1" noChangeArrowheads="1" noChangeShapeType="1" noTextEdit="1"/>
-              </p:cNvSpPr>
-              <p:nvPr/>
-            </p:nvSpPr>
-            <p:spPr>
-              <a:xfrm>
-                <a:off x="1922806" y="3660470"/>
-                <a:ext cx="5455894" cy="830997"/>
-              </a:xfrm>
-              <a:prstGeom prst="rect">
-                <a:avLst/>
-              </a:prstGeom>
-              <a:blipFill>
-                <a:blip r:embed="rId4"/>
-                <a:stretch>
-                  <a:fillRect b="-12121"/>
-                </a:stretch>
-              </a:blipFill>
-              <a:ln>
-                <a:noFill/>
-              </a:ln>
-            </p:spPr>
-            <p:txBody>
-              <a:bodyPr/>
-              <a:lstStyle/>
-              <a:p>
-                <a:r>
-                  <a:rPr lang="en-US">
-                    <a:noFill/>
-                  </a:rPr>
-                  <a:t> </a:t>
-                </a:r>
-              </a:p>
-            </p:txBody>
-          </p:sp>
-        </mc:Fallback>
-      </mc:AlternateContent>
-      <mc:AlternateContent xmlns:mc="http://schemas.openxmlformats.org/markup-compatibility/2006" xmlns:a14="http://schemas.microsoft.com/office/drawing/2010/main">
-        <mc:Choice Requires="a14">
-          <p:sp>
-            <p:nvSpPr>
-              <p:cNvPr id="8" name="TextBox 7">
-                <a:extLst>
-                  <a:ext uri="{FF2B5EF4-FFF2-40B4-BE49-F238E27FC236}">
-                    <a16:creationId xmlns:a16="http://schemas.microsoft.com/office/drawing/2014/main" id="{92D83533-5CB8-370B-6A39-F948579643B0}"/>
-                  </a:ext>
-                </a:extLst>
-              </p:cNvPr>
-              <p:cNvSpPr txBox="1"/>
-              <p:nvPr/>
-            </p:nvSpPr>
-            <p:spPr>
-              <a:xfrm>
-                <a:off x="1353387" y="5360525"/>
-                <a:ext cx="5007718" cy="830997"/>
-              </a:xfrm>
-              <a:prstGeom prst="rect">
-                <a:avLst/>
-              </a:prstGeom>
-              <a:ln>
-                <a:noFill/>
-              </a:ln>
-            </p:spPr>
-            <p:txBody>
-              <a:bodyPr vert="horz" wrap="none" lIns="91440" tIns="45720" rIns="91440" bIns="45720" rtlCol="0">
-                <a:spAutoFit/>
-              </a:bodyPr>
-              <a:lstStyle/>
-              <a:p>
-                <a:pPr algn="l"/>
-                <a14:m>
-                  <m:oMathPara xmlns:m="http://schemas.openxmlformats.org/officeDocument/2006/math">
-                    <m:oMathParaPr>
-                      <m:jc m:val="centerGroup"/>
-                    </m:oMathParaPr>
+                      </m:oMath>
+                    </m:oMathPara>
+                  </a14:m>
+                  <a:endParaRPr lang="en-US" sz="2400" b="0" i="1" dirty="0">
+                    <a:latin typeface="Cambria Math" panose="02040503050406030204" pitchFamily="18" charset="0"/>
+                  </a:endParaRPr>
+                </a:p>
+                <a:p>
+                  <a:pPr algn="l"/>
+                  <a:r>
+                    <a:rPr lang="en-US" sz="2400" b="0" dirty="0"/>
+                    <a:t>                  </a:t>
+                  </a:r>
+                  <a14:m>
                     <m:oMath xmlns:m="http://schemas.openxmlformats.org/officeDocument/2006/math">
-                      <m:r>
-                        <a:rPr lang="en-US" sz="2400" b="0" i="1" smtClean="0">
-                          <a:latin typeface="Cambria Math" panose="02040503050406030204" pitchFamily="18" charset="0"/>
-                        </a:rPr>
-                        <m:t>𝒮</m:t>
-                      </m:r>
-                      <m:r>
-                        <a:rPr lang="en-US" sz="2400" b="0" i="1" smtClean="0">
-                          <a:latin typeface="Cambria Math" panose="02040503050406030204" pitchFamily="18" charset="0"/>
-                          <a:ea typeface="Cambria Math" panose="02040503050406030204" pitchFamily="18" charset="0"/>
-                        </a:rPr>
-                        <m:t>⇝</m:t>
-                      </m:r>
-                      <m:r>
-                        <a:rPr lang="en-US" sz="2400" b="0" i="1" smtClean="0">
-                          <a:latin typeface="Cambria Math" panose="02040503050406030204" pitchFamily="18" charset="0"/>
-                        </a:rPr>
-                        <m:t>𝒯</m:t>
-                      </m:r>
-                      <m:r>
-                        <a:rPr lang="en-US" sz="2400" b="0" i="1" smtClean="0">
-                          <a:latin typeface="Cambria Math" panose="02040503050406030204" pitchFamily="18" charset="0"/>
-                        </a:rPr>
-                        <m:t>={</m:t>
-                      </m:r>
                       <m:sSub>
                         <m:sSubPr>
                           <m:ctrlPr>
@@ -33618,7 +33922,7 @@
                             <a:rPr lang="en-US" sz="2400" b="0" i="1" smtClean="0">
                               <a:latin typeface="Cambria Math" panose="02040503050406030204" pitchFamily="18" charset="0"/>
                             </a:rPr>
-                            <m:t>1</m:t>
+                            <m:t>2</m:t>
                           </m:r>
                         </m:sub>
                       </m:sSub>
@@ -33680,7 +33984,7 @@
                             <a:rPr lang="en-US" sz="2400" b="0" i="1" smtClean="0">
                               <a:latin typeface="Cambria Math" panose="02040503050406030204" pitchFamily="18" charset="0"/>
                             </a:rPr>
-                            <m:t>1</m:t>
+                            <m:t>2</m:t>
                           </m:r>
                         </m:sub>
                       </m:sSub>
@@ -33742,7 +34046,7 @@
                             <a:rPr lang="en-US" sz="2400" b="0" i="1" smtClean="0">
                               <a:latin typeface="Cambria Math" panose="02040503050406030204" pitchFamily="18" charset="0"/>
                             </a:rPr>
-                            <m:t>1</m:t>
+                            <m:t>2</m:t>
                           </m:r>
                         </m:sub>
                       </m:sSub>
@@ -33750,340 +34054,102 @@
                         <a:rPr lang="en-US" sz="2400" b="0" i="1" smtClean="0">
                           <a:latin typeface="Cambria Math" panose="02040503050406030204" pitchFamily="18" charset="0"/>
                         </a:rPr>
-                        <m:t>, </m:t>
+                        <m:t>} </m:t>
                       </m:r>
                     </m:oMath>
-                  </m:oMathPara>
-                </a14:m>
-                <a:endParaRPr lang="en-US" sz="2400" b="0" i="1" dirty="0">
-                  <a:latin typeface="Cambria Math" panose="02040503050406030204" pitchFamily="18" charset="0"/>
-                </a:endParaRPr>
-              </a:p>
-              <a:p>
-                <a:pPr algn="l"/>
-                <a:r>
-                  <a:rPr lang="en-US" sz="2400" b="0" dirty="0"/>
-                  <a:t>                  </a:t>
-                </a:r>
-                <a14:m>
-                  <m:oMath xmlns:m="http://schemas.openxmlformats.org/officeDocument/2006/math">
-                    <m:sSub>
-                      <m:sSubPr>
-                        <m:ctrlPr>
-                          <a:rPr lang="en-US" sz="2400" b="0" i="1" smtClean="0">
-                            <a:latin typeface="Cambria Math" panose="02040503050406030204" pitchFamily="18" charset="0"/>
-                          </a:rPr>
-                        </m:ctrlPr>
-                      </m:sSubPr>
-                      <m:e>
-                        <m:r>
-                          <a:rPr lang="en-US" sz="2400" b="0" i="1" smtClean="0">
-                            <a:latin typeface="Cambria Math" panose="02040503050406030204" pitchFamily="18" charset="0"/>
-                          </a:rPr>
-                          <m:t>𝐺</m:t>
-                        </m:r>
-                      </m:e>
-                      <m:sub>
-                        <m:r>
-                          <a:rPr lang="en-US" sz="2400" b="0" i="1" smtClean="0">
-                            <a:latin typeface="Cambria Math" panose="02040503050406030204" pitchFamily="18" charset="0"/>
-                          </a:rPr>
-                          <m:t>1</m:t>
-                        </m:r>
-                      </m:sub>
-                    </m:sSub>
-                    <m:r>
-                      <a:rPr lang="en-US" sz="2400" b="0" i="1" smtClean="0">
-                        <a:latin typeface="Cambria Math" panose="02040503050406030204" pitchFamily="18" charset="0"/>
-                      </a:rPr>
-                      <m:t>∗</m:t>
-                    </m:r>
-                    <m:sSub>
-                      <m:sSubPr>
-                        <m:ctrlPr>
-                          <a:rPr lang="en-US" sz="2400" b="0" i="1" smtClean="0">
-                            <a:latin typeface="Cambria Math" panose="02040503050406030204" pitchFamily="18" charset="0"/>
-                          </a:rPr>
-                        </m:ctrlPr>
-                      </m:sSubPr>
-                      <m:e>
-                        <m:r>
-                          <a:rPr lang="en-US" sz="2400" b="0" i="1" smtClean="0">
-                            <a:latin typeface="Cambria Math" panose="02040503050406030204" pitchFamily="18" charset="0"/>
-                          </a:rPr>
-                          <m:t>𝐻</m:t>
-                        </m:r>
-                      </m:e>
-                      <m:sub>
-                        <m:r>
-                          <a:rPr lang="en-US" sz="2400" b="0" i="1" smtClean="0">
-                            <a:latin typeface="Cambria Math" panose="02040503050406030204" pitchFamily="18" charset="0"/>
-                          </a:rPr>
-                          <m:t>2</m:t>
-                        </m:r>
-                      </m:sub>
-                    </m:sSub>
-                    <m:r>
-                      <a:rPr lang="en-US" sz="2400" b="0" i="1" smtClean="0">
-                        <a:latin typeface="Cambria Math" panose="02040503050406030204" pitchFamily="18" charset="0"/>
-                      </a:rPr>
-                      <m:t>, </m:t>
-                    </m:r>
-                    <m:sSub>
-                      <m:sSubPr>
-                        <m:ctrlPr>
-                          <a:rPr lang="en-US" sz="2400" b="0" i="1" smtClean="0">
-                            <a:latin typeface="Cambria Math" panose="02040503050406030204" pitchFamily="18" charset="0"/>
-                          </a:rPr>
-                        </m:ctrlPr>
-                      </m:sSubPr>
-                      <m:e>
-                        <m:r>
-                          <a:rPr lang="en-US" sz="2400" b="0" i="1" smtClean="0">
-                            <a:latin typeface="Cambria Math" panose="02040503050406030204" pitchFamily="18" charset="0"/>
-                          </a:rPr>
-                          <m:t>𝐺</m:t>
-                        </m:r>
-                      </m:e>
-                      <m:sub>
-                        <m:r>
-                          <a:rPr lang="en-US" sz="2400" b="0" i="1" smtClean="0">
-                            <a:latin typeface="Cambria Math" panose="02040503050406030204" pitchFamily="18" charset="0"/>
-                          </a:rPr>
-                          <m:t>2</m:t>
-                        </m:r>
-                      </m:sub>
-                    </m:sSub>
-                    <m:r>
-                      <a:rPr lang="en-US" sz="2400" b="0" i="1" smtClean="0">
-                        <a:latin typeface="Cambria Math" panose="02040503050406030204" pitchFamily="18" charset="0"/>
-                      </a:rPr>
-                      <m:t>∗</m:t>
-                    </m:r>
-                    <m:sSub>
-                      <m:sSubPr>
-                        <m:ctrlPr>
-                          <a:rPr lang="en-US" sz="2400" b="0" i="1" smtClean="0">
-                            <a:latin typeface="Cambria Math" panose="02040503050406030204" pitchFamily="18" charset="0"/>
-                          </a:rPr>
-                        </m:ctrlPr>
-                      </m:sSubPr>
-                      <m:e>
-                        <m:r>
-                          <a:rPr lang="en-US" sz="2400" b="0" i="1" smtClean="0">
-                            <a:latin typeface="Cambria Math" panose="02040503050406030204" pitchFamily="18" charset="0"/>
-                          </a:rPr>
-                          <m:t>𝐻</m:t>
-                        </m:r>
-                      </m:e>
-                      <m:sub>
-                        <m:r>
-                          <a:rPr lang="en-US" sz="2400" b="0" i="1" smtClean="0">
-                            <a:latin typeface="Cambria Math" panose="02040503050406030204" pitchFamily="18" charset="0"/>
-                          </a:rPr>
-                          <m:t>2</m:t>
-                        </m:r>
-                      </m:sub>
-                    </m:sSub>
-                    <m:r>
-                      <a:rPr lang="en-US" sz="2400" b="0" i="1" smtClean="0">
-                        <a:latin typeface="Cambria Math" panose="02040503050406030204" pitchFamily="18" charset="0"/>
-                      </a:rPr>
-                      <m:t>, </m:t>
-                    </m:r>
-                    <m:sSub>
-                      <m:sSubPr>
-                        <m:ctrlPr>
-                          <a:rPr lang="en-US" sz="2400" b="0" i="1" smtClean="0">
-                            <a:latin typeface="Cambria Math" panose="02040503050406030204" pitchFamily="18" charset="0"/>
-                          </a:rPr>
-                        </m:ctrlPr>
-                      </m:sSubPr>
-                      <m:e>
-                        <m:r>
-                          <a:rPr lang="en-US" sz="2400" b="0" i="1" smtClean="0">
-                            <a:latin typeface="Cambria Math" panose="02040503050406030204" pitchFamily="18" charset="0"/>
-                          </a:rPr>
-                          <m:t>𝐺</m:t>
-                        </m:r>
-                      </m:e>
-                      <m:sub>
-                        <m:r>
-                          <a:rPr lang="en-US" sz="2400" b="0" i="1" smtClean="0">
-                            <a:latin typeface="Cambria Math" panose="02040503050406030204" pitchFamily="18" charset="0"/>
-                          </a:rPr>
-                          <m:t>3</m:t>
-                        </m:r>
-                      </m:sub>
-                    </m:sSub>
-                    <m:r>
-                      <a:rPr lang="en-US" sz="2400" b="0" i="1" smtClean="0">
-                        <a:latin typeface="Cambria Math" panose="02040503050406030204" pitchFamily="18" charset="0"/>
-                      </a:rPr>
-                      <m:t>∗</m:t>
-                    </m:r>
-                    <m:sSub>
-                      <m:sSubPr>
-                        <m:ctrlPr>
-                          <a:rPr lang="en-US" sz="2400" b="0" i="1" smtClean="0">
-                            <a:latin typeface="Cambria Math" panose="02040503050406030204" pitchFamily="18" charset="0"/>
-                          </a:rPr>
-                        </m:ctrlPr>
-                      </m:sSubPr>
-                      <m:e>
-                        <m:r>
-                          <a:rPr lang="en-US" sz="2400" b="0" i="1" smtClean="0">
-                            <a:latin typeface="Cambria Math" panose="02040503050406030204" pitchFamily="18" charset="0"/>
-                          </a:rPr>
-                          <m:t>𝐻</m:t>
-                        </m:r>
-                      </m:e>
-                      <m:sub>
-                        <m:r>
-                          <a:rPr lang="en-US" sz="2400" b="0" i="1" smtClean="0">
-                            <a:latin typeface="Cambria Math" panose="02040503050406030204" pitchFamily="18" charset="0"/>
-                          </a:rPr>
-                          <m:t>2</m:t>
-                        </m:r>
-                      </m:sub>
-                    </m:sSub>
-                    <m:r>
-                      <a:rPr lang="en-US" sz="2400" b="0" i="1" smtClean="0">
-                        <a:latin typeface="Cambria Math" panose="02040503050406030204" pitchFamily="18" charset="0"/>
-                      </a:rPr>
-                      <m:t>} </m:t>
-                    </m:r>
-                  </m:oMath>
-                </a14:m>
-                <a:endParaRPr lang="en-US" sz="2400" dirty="0"/>
-              </a:p>
-            </p:txBody>
-          </p:sp>
-        </mc:Choice>
-        <mc:Fallback xmlns="">
-          <p:sp>
-            <p:nvSpPr>
-              <p:cNvPr id="8" name="TextBox 7">
-                <a:extLst>
-                  <a:ext uri="{FF2B5EF4-FFF2-40B4-BE49-F238E27FC236}">
-                    <a16:creationId xmlns:a16="http://schemas.microsoft.com/office/drawing/2014/main" id="{92D83533-5CB8-370B-6A39-F948579643B0}"/>
-                  </a:ext>
-                </a:extLst>
-              </p:cNvPr>
-              <p:cNvSpPr txBox="1">
-                <a:spLocks noRot="1" noChangeAspect="1" noMove="1" noResize="1" noEditPoints="1" noAdjustHandles="1" noChangeArrowheads="1" noChangeShapeType="1" noTextEdit="1"/>
-              </p:cNvSpPr>
-              <p:nvPr/>
-            </p:nvSpPr>
-            <p:spPr>
-              <a:xfrm>
-                <a:off x="1353387" y="5360525"/>
-                <a:ext cx="5007718" cy="830997"/>
-              </a:xfrm>
-              <a:prstGeom prst="rect">
-                <a:avLst/>
-              </a:prstGeom>
-              <a:blipFill>
-                <a:blip r:embed="rId5"/>
-                <a:stretch>
-                  <a:fillRect r="-506" b="-11940"/>
-                </a:stretch>
-              </a:blipFill>
-              <a:ln>
-                <a:noFill/>
-              </a:ln>
-            </p:spPr>
-            <p:txBody>
-              <a:bodyPr/>
-              <a:lstStyle/>
-              <a:p>
-                <a:r>
-                  <a:rPr lang="en-US">
-                    <a:noFill/>
-                  </a:rPr>
-                  <a:t> </a:t>
-                </a:r>
-              </a:p>
-            </p:txBody>
-          </p:sp>
-        </mc:Fallback>
-      </mc:AlternateContent>
-      <p:sp>
-        <p:nvSpPr>
-          <p:cNvPr id="9" name="TextBox 8">
-            <a:extLst>
-              <a:ext uri="{FF2B5EF4-FFF2-40B4-BE49-F238E27FC236}">
-                <a16:creationId xmlns:a16="http://schemas.microsoft.com/office/drawing/2014/main" id="{24643F71-1C20-78A1-B8CB-C9BFE2B61388}"/>
-              </a:ext>
-            </a:extLst>
-          </p:cNvPr>
-          <p:cNvSpPr txBox="1"/>
-          <p:nvPr/>
-        </p:nvSpPr>
-        <p:spPr>
-          <a:xfrm>
-            <a:off x="3223118" y="3200577"/>
-            <a:ext cx="2855269" cy="461665"/>
-          </a:xfrm>
-          <a:prstGeom prst="rect">
-            <a:avLst/>
-          </a:prstGeom>
-          <a:ln>
-            <a:noFill/>
-          </a:ln>
-        </p:spPr>
-        <p:txBody>
-          <a:bodyPr vert="horz" wrap="none" lIns="91440" tIns="45720" rIns="91440" bIns="45720" rtlCol="0">
-            <a:spAutoFit/>
-          </a:bodyPr>
-          <a:lstStyle/>
-          <a:p>
-            <a:pPr algn="l"/>
-            <a:r>
-              <a:rPr lang="en-US" sz="2400" dirty="0"/>
-              <a:t>Distributive Product</a:t>
-            </a:r>
-          </a:p>
-        </p:txBody>
-      </p:sp>
-      <p:sp>
-        <p:nvSpPr>
-          <p:cNvPr id="10" name="TextBox 9">
-            <a:extLst>
-              <a:ext uri="{FF2B5EF4-FFF2-40B4-BE49-F238E27FC236}">
-                <a16:creationId xmlns:a16="http://schemas.microsoft.com/office/drawing/2014/main" id="{F398AF10-0A53-FF1B-BF74-98238EA5B847}"/>
-              </a:ext>
-            </a:extLst>
-          </p:cNvPr>
-          <p:cNvSpPr txBox="1"/>
-          <p:nvPr/>
-        </p:nvSpPr>
-        <p:spPr>
-          <a:xfrm>
-            <a:off x="1516509" y="4844798"/>
-            <a:ext cx="4844596" cy="461665"/>
-          </a:xfrm>
-          <a:prstGeom prst="rect">
-            <a:avLst/>
-          </a:prstGeom>
-          <a:ln>
-            <a:noFill/>
-          </a:ln>
-        </p:spPr>
-        <p:txBody>
-          <a:bodyPr vert="horz" wrap="none" lIns="91440" tIns="45720" rIns="91440" bIns="45720" rtlCol="0">
-            <a:spAutoFit/>
-          </a:bodyPr>
-          <a:lstStyle/>
-          <a:p>
-            <a:pPr algn="l"/>
-            <a:r>
-              <a:rPr lang="en-US" sz="2400" dirty="0"/>
-              <a:t>Pointwise Sequential Composition</a:t>
-            </a:r>
-          </a:p>
-        </p:txBody>
-      </p:sp>
+                  </a14:m>
+                  <a:endParaRPr lang="en-US" sz="2400" dirty="0"/>
+                </a:p>
+              </p:txBody>
+            </p:sp>
+          </mc:Choice>
+          <mc:Fallback>
+            <p:sp>
+              <p:nvSpPr>
+                <p:cNvPr id="8" name="TextBox 7">
+                  <a:extLst>
+                    <a:ext uri="{FF2B5EF4-FFF2-40B4-BE49-F238E27FC236}">
+                      <a16:creationId xmlns:a16="http://schemas.microsoft.com/office/drawing/2014/main" id="{92D83533-5CB8-370B-6A39-F948579643B0}"/>
+                    </a:ext>
+                  </a:extLst>
+                </p:cNvPr>
+                <p:cNvSpPr txBox="1">
+                  <a:spLocks noRot="1" noChangeAspect="1" noMove="1" noResize="1" noEditPoints="1" noAdjustHandles="1" noChangeArrowheads="1" noChangeShapeType="1" noTextEdit="1"/>
+                </p:cNvSpPr>
+                <p:nvPr/>
+              </p:nvSpPr>
+              <p:spPr>
+                <a:xfrm>
+                  <a:off x="1353387" y="5360525"/>
+                  <a:ext cx="5007718" cy="830997"/>
+                </a:xfrm>
+                <a:prstGeom prst="rect">
+                  <a:avLst/>
+                </a:prstGeom>
+                <a:blipFill>
+                  <a:blip r:embed="rId5"/>
+                  <a:stretch>
+                    <a:fillRect r="-253" b="-12121"/>
+                  </a:stretch>
+                </a:blipFill>
+                <a:ln>
+                  <a:noFill/>
+                </a:ln>
+              </p:spPr>
+              <p:txBody>
+                <a:bodyPr/>
+                <a:lstStyle/>
+                <a:p>
+                  <a:r>
+                    <a:rPr lang="en-US">
+                      <a:noFill/>
+                    </a:rPr>
+                    <a:t> </a:t>
+                  </a:r>
+                </a:p>
+              </p:txBody>
+            </p:sp>
+          </mc:Fallback>
+        </mc:AlternateContent>
+        <p:sp>
+          <p:nvSpPr>
+            <p:cNvPr id="10" name="TextBox 9">
+              <a:extLst>
+                <a:ext uri="{FF2B5EF4-FFF2-40B4-BE49-F238E27FC236}">
+                  <a16:creationId xmlns:a16="http://schemas.microsoft.com/office/drawing/2014/main" id="{F398AF10-0A53-FF1B-BF74-98238EA5B847}"/>
+                </a:ext>
+              </a:extLst>
+            </p:cNvPr>
+            <p:cNvSpPr txBox="1"/>
+            <p:nvPr/>
+          </p:nvSpPr>
+          <p:spPr>
+            <a:xfrm>
+              <a:off x="1516509" y="4844798"/>
+              <a:ext cx="4844596" cy="461665"/>
+            </a:xfrm>
+            <a:prstGeom prst="rect">
+              <a:avLst/>
+            </a:prstGeom>
+            <a:ln>
+              <a:noFill/>
+            </a:ln>
+          </p:spPr>
+          <p:txBody>
+            <a:bodyPr vert="horz" wrap="none" lIns="91440" tIns="45720" rIns="91440" bIns="45720" rtlCol="0">
+              <a:spAutoFit/>
+            </a:bodyPr>
+            <a:lstStyle/>
+            <a:p>
+              <a:pPr algn="l"/>
+              <a:r>
+                <a:rPr lang="en-US" sz="2400" dirty="0"/>
+                <a:t>Pointwise Sequential Composition</a:t>
+              </a:r>
+            </a:p>
+          </p:txBody>
+        </p:sp>
+      </p:grpSp>
     </p:spTree>
     <p:extLst>
       <p:ext uri="{BB962C8B-B14F-4D97-AF65-F5344CB8AC3E}">
@@ -42677,6 +42743,15 @@
 </file>
 
 <file path=customXml/item1.xml><?xml version="1.0" encoding="utf-8"?>
+<?mso-contentType ?>
+<FormTemplates xmlns="http://schemas.microsoft.com/sharepoint/v3/contenttype/forms">
+  <Display>DocumentLibraryForm</Display>
+  <Edit>DocumentLibraryForm</Edit>
+  <New>DocumentLibraryForm</New>
+</FormTemplates>
+</file>
+
+<file path=customXml/item2.xml><?xml version="1.0" encoding="utf-8"?>
 <p:properties xmlns:p="http://schemas.microsoft.com/office/2006/metadata/properties" xmlns:xsi="http://www.w3.org/2001/XMLSchema-instance" xmlns:pc="http://schemas.microsoft.com/office/infopath/2007/PartnerControls">
   <documentManagement>
     <MITRE_x0020_Sensitivity xmlns="http://schemas.microsoft.com/sharepoint/v3">Internal MITRE Information</MITRE_x0020_Sensitivity>
@@ -42693,16 +42768,17 @@
 </p:properties>
 </file>
 
-<file path=customXml/item2.xml><?xml version="1.0" encoding="utf-8"?>
+<file path=customXml/item3.xml><?xml version="1.0" encoding="utf-8"?>
 <?mso-contentType ?>
-<FormTemplates xmlns="http://schemas.microsoft.com/sharepoint/v3/contenttype/forms">
-  <Display>DocumentLibraryForm</Display>
-  <Edit>DocumentLibraryForm</Edit>
-  <New>DocumentLibraryForm</New>
-</FormTemplates>
+<customXsn xmlns="http://schemas.microsoft.com/office/2006/metadata/customXsn">
+  <xsnLocation/>
+  <cached>True</cached>
+  <openByDefault>True</openByDefault>
+  <xsnScope/>
+</customXsn>
 </file>
 
-<file path=customXml/item3.xml><?xml version="1.0" encoding="utf-8"?>
+<file path=customXml/item4.xml><?xml version="1.0" encoding="utf-8"?>
 <ct:contentTypeSchema xmlns:ct="http://schemas.microsoft.com/office/2006/metadata/contentType" xmlns:ma="http://schemas.microsoft.com/office/2006/metadata/properties/metaAttributes" ct:_="" ma:_="" ma:contentTypeName="MITRE Work" ma:contentTypeID="0x0101001EAE5F8AE92E0443B0635AEF5BFC9F76004C6CC03BF5DC804FBBC33E4E55C06EE9" ma:contentTypeVersion="6" ma:contentTypeDescription="Materials and documents that contain MITRE authored content and other content directly attributable to MITRE and its work" ma:contentTypeScope="" ma:versionID="4ad27c3cbde4a5e69cf872f973dbc972">
   <xsd:schema xmlns:xsd="http://www.w3.org/2001/XMLSchema" xmlns:xs="http://www.w3.org/2001/XMLSchema" xmlns:p="http://schemas.microsoft.com/office/2006/metadata/properties" xmlns:ns1="http://schemas.microsoft.com/sharepoint/v3" xmlns:ns2="http://schemas.microsoft.com/sharepoint/v3/fields" xmlns:ns3="45d44e74-5c87-4253-a1a6-fb7a2a9835a8" xmlns:ns4="http://schemas.microsoft.com/sharepoint/v4" xmlns:ns5="d6dad062-3ecc-4c2a-98eb-3d03c2389ab6" targetNamespace="http://schemas.microsoft.com/office/2006/metadata/properties" ma:root="true" ma:fieldsID="8c7f8a686deeddaa67bf50c4d10033f6" ns1:_="" ns2:_="" ns3:_="" ns4:_="" ns5:_="">
     <xsd:import namespace="http://schemas.microsoft.com/sharepoint/v3"/>
@@ -42947,17 +43023,15 @@
 </ct:contentTypeSchema>
 </file>
 
-<file path=customXml/item4.xml><?xml version="1.0" encoding="utf-8"?>
-<?mso-contentType ?>
-<customXsn xmlns="http://schemas.microsoft.com/office/2006/metadata/customXsn">
-  <xsnLocation/>
-  <cached>True</cached>
-  <openByDefault>True</openByDefault>
-  <xsnScope/>
-</customXsn>
+<file path=customXml/itemProps1.xml><?xml version="1.0" encoding="utf-8"?>
+<ds:datastoreItem xmlns:ds="http://schemas.openxmlformats.org/officeDocument/2006/customXml" ds:itemID="{416BA5C9-2D71-4B86-AE8A-8C0D9BC5FB22}">
+  <ds:schemaRefs>
+    <ds:schemaRef ds:uri="http://schemas.microsoft.com/sharepoint/v3/contenttype/forms"/>
+  </ds:schemaRefs>
+</ds:datastoreItem>
 </file>
 
-<file path=customXml/itemProps1.xml><?xml version="1.0" encoding="utf-8"?>
+<file path=customXml/itemProps2.xml><?xml version="1.0" encoding="utf-8"?>
 <ds:datastoreItem xmlns:ds="http://schemas.openxmlformats.org/officeDocument/2006/customXml" ds:itemID="{5450FCDD-08B1-48D8-BB50-7A17E590A5EE}">
   <ds:schemaRefs>
     <ds:schemaRef ds:uri="http://schemas.microsoft.com/office/2006/documentManagement/types"/>
@@ -42977,15 +43051,15 @@
 </ds:datastoreItem>
 </file>
 
-<file path=customXml/itemProps2.xml><?xml version="1.0" encoding="utf-8"?>
-<ds:datastoreItem xmlns:ds="http://schemas.openxmlformats.org/officeDocument/2006/customXml" ds:itemID="{416BA5C9-2D71-4B86-AE8A-8C0D9BC5FB22}">
+<file path=customXml/itemProps3.xml><?xml version="1.0" encoding="utf-8"?>
+<ds:datastoreItem xmlns:ds="http://schemas.openxmlformats.org/officeDocument/2006/customXml" ds:itemID="{589A4884-CA84-4BD3-BCA6-39AECD72E50D}">
   <ds:schemaRefs>
-    <ds:schemaRef ds:uri="http://schemas.microsoft.com/sharepoint/v3/contenttype/forms"/>
+    <ds:schemaRef ds:uri="http://schemas.microsoft.com/office/2006/metadata/customXsn"/>
   </ds:schemaRefs>
 </ds:datastoreItem>
 </file>
 
-<file path=customXml/itemProps3.xml><?xml version="1.0" encoding="utf-8"?>
+<file path=customXml/itemProps4.xml><?xml version="1.0" encoding="utf-8"?>
 <ds:datastoreItem xmlns:ds="http://schemas.openxmlformats.org/officeDocument/2006/customXml" ds:itemID="{E3E4C7FE-9143-4635-B164-5CEF7469C30A}">
   <ds:schemaRefs>
     <ds:schemaRef ds:uri="45d44e74-5c87-4253-a1a6-fb7a2a9835a8"/>
@@ -43005,12 +43079,4 @@
     <ds:schemaRef ds:uri="http://www.w3.org/2001/XMLSchema"/>
   </ds:schemaRefs>
 </ds:datastoreItem>
-</file>
-
-<file path=customXml/itemProps4.xml><?xml version="1.0" encoding="utf-8"?>
-<ds:datastoreItem xmlns:ds="http://schemas.openxmlformats.org/officeDocument/2006/customXml" ds:itemID="{589A4884-CA84-4BD3-BCA6-39AECD72E50D}">
-  <ds:schemaRefs>
-    <ds:schemaRef ds:uri="http://schemas.microsoft.com/office/2006/metadata/customXsn"/>
-  </ds:schemaRefs>
-</ds:datastoreItem>
 </file>